--- a/Lecture Slides/16 Spring JSON.pptx
+++ b/Lecture Slides/16 Spring JSON.pptx
@@ -21,20 +21,20 @@
     <p:sldId id="273" r:id="rId9"/>
     <p:sldId id="281" r:id="rId10"/>
     <p:sldId id="263" r:id="rId11"/>
-    <p:sldId id="289" r:id="rId12"/>
-    <p:sldId id="279" r:id="rId13"/>
-    <p:sldId id="293" r:id="rId14"/>
-    <p:sldId id="277" r:id="rId15"/>
-    <p:sldId id="280" r:id="rId16"/>
-    <p:sldId id="292" r:id="rId17"/>
-    <p:sldId id="257" r:id="rId18"/>
-    <p:sldId id="276" r:id="rId19"/>
-    <p:sldId id="291" r:id="rId20"/>
-    <p:sldId id="283" r:id="rId21"/>
-    <p:sldId id="299" r:id="rId22"/>
-    <p:sldId id="265" r:id="rId23"/>
-    <p:sldId id="266" r:id="rId24"/>
-    <p:sldId id="300" r:id="rId25"/>
+    <p:sldId id="279" r:id="rId12"/>
+    <p:sldId id="289" r:id="rId13"/>
+    <p:sldId id="277" r:id="rId14"/>
+    <p:sldId id="280" r:id="rId15"/>
+    <p:sldId id="292" r:id="rId16"/>
+    <p:sldId id="257" r:id="rId17"/>
+    <p:sldId id="276" r:id="rId18"/>
+    <p:sldId id="291" r:id="rId19"/>
+    <p:sldId id="283" r:id="rId20"/>
+    <p:sldId id="299" r:id="rId21"/>
+    <p:sldId id="265" r:id="rId22"/>
+    <p:sldId id="266" r:id="rId23"/>
+    <p:sldId id="300" r:id="rId24"/>
+    <p:sldId id="301" r:id="rId25"/>
   </p:sldIdLst>
   <p:sldSz cx="9144000" cy="6858000" type="screen4x3"/>
   <p:notesSz cx="6858000" cy="9144000"/>
@@ -235,7 +235,7 @@
             <a:fld id="{2B92EF69-4580-D948-9358-37D6C6E355D3}" type="datetimeFigureOut">
               <a:rPr lang="en-US" smtClean="0"/>
               <a:pPr/>
-              <a:t>11/25/2018</a:t>
+              <a:t>11/28/2018</a:t>
             </a:fld>
             <a:endParaRPr lang="en-US"/>
           </a:p>
@@ -403,7 +403,7 @@
             <a:fld id="{A2AF659B-3BFD-7C4F-8593-16CDDE7417A4}" type="datetimeFigureOut">
               <a:rPr lang="en-US" smtClean="0"/>
               <a:pPr/>
-              <a:t>11/25/2018</a:t>
+              <a:t>11/28/2018</a:t>
             </a:fld>
             <a:endParaRPr lang="en-US"/>
           </a:p>
@@ -4056,7 +4056,41 @@
           <a:p>
             <a:r>
               <a:rPr lang="en-GB" dirty="0"/>
-              <a:t>Add a dependency to your maven pom.xml file:</a:t>
+              <a:t>It’s not covered by </a:t>
+            </a:r>
+            <a:r>
+              <a:rPr lang="en-GB" i="1" dirty="0">
+                <a:hlinkClick r:id="rId2">
+                  <a:extLst>
+                    <a:ext uri="{A12FA001-AC4F-418D-AE19-62706E023703}">
+                      <ahyp:hlinkClr xmlns:ahyp="http://schemas.microsoft.com/office/drawing/2018/hyperlinkcolor" val="tx"/>
+                    </a:ext>
+                  </a:extLst>
+                </a:hlinkClick>
+              </a:rPr>
+              <a:t>Spring </a:t>
+            </a:r>
+            <a:r>
+              <a:rPr lang="en-GB" i="1" dirty="0" err="1">
+                <a:hlinkClick r:id="rId2">
+                  <a:extLst>
+                    <a:ext uri="{A12FA001-AC4F-418D-AE19-62706E023703}">
+                      <ahyp:hlinkClr xmlns:ahyp="http://schemas.microsoft.com/office/drawing/2018/hyperlinkcolor" val="tx"/>
+                    </a:ext>
+                  </a:extLst>
+                </a:hlinkClick>
+              </a:rPr>
+              <a:t>Initializr</a:t>
+            </a:r>
+            <a:r>
+              <a:rPr lang="en-GB" dirty="0"/>
+              <a:t> :o(</a:t>
+            </a:r>
+          </a:p>
+          <a:p>
+            <a:r>
+              <a:rPr lang="en-GB" dirty="0"/>
+              <a:t>So manually add a dependency to the pom file:</a:t>
             </a:r>
           </a:p>
         </p:txBody>
@@ -4076,14 +4110,14 @@
           <p:nvPr/>
         </p:nvPicPr>
         <p:blipFill>
-          <a:blip r:embed="rId2"/>
+          <a:blip r:embed="rId3"/>
           <a:stretch>
             <a:fillRect/>
           </a:stretch>
         </p:blipFill>
         <p:spPr>
           <a:xfrm>
-            <a:off x="1066788" y="3860450"/>
+            <a:off x="1066788" y="4379737"/>
             <a:ext cx="6762064" cy="1366308"/>
           </a:xfrm>
           <a:prstGeom prst="rect">
@@ -4128,169 +4162,6 @@
       </p:grpSpPr>
       <p:sp>
         <p:nvSpPr>
-          <p:cNvPr id="2" name="Title 1">
-            <a:extLst>
-              <a:ext uri="{FF2B5EF4-FFF2-40B4-BE49-F238E27FC236}">
-                <a16:creationId xmlns:a16="http://schemas.microsoft.com/office/drawing/2014/main" id="{BFC1D6AA-99B2-4715-AC86-C1A7072873F0}"/>
-              </a:ext>
-            </a:extLst>
-          </p:cNvPr>
-          <p:cNvSpPr>
-            <a:spLocks noGrp="1"/>
-          </p:cNvSpPr>
-          <p:nvPr>
-            <p:ph type="title"/>
-          </p:nvPr>
-        </p:nvSpPr>
-        <p:spPr/>
-        <p:txBody>
-          <a:bodyPr/>
-          <a:lstStyle/>
-          <a:p>
-            <a:r>
-              <a:rPr lang="en-GB" dirty="0"/>
-              <a:t>About JSON-Simple</a:t>
-            </a:r>
-          </a:p>
-        </p:txBody>
-      </p:sp>
-      <p:sp>
-        <p:nvSpPr>
-          <p:cNvPr id="3" name="Content Placeholder 2">
-            <a:extLst>
-              <a:ext uri="{FF2B5EF4-FFF2-40B4-BE49-F238E27FC236}">
-                <a16:creationId xmlns:a16="http://schemas.microsoft.com/office/drawing/2014/main" id="{D8868E47-3C02-4853-9E32-F27D1E461D0B}"/>
-              </a:ext>
-            </a:extLst>
-          </p:cNvPr>
-          <p:cNvSpPr>
-            <a:spLocks noGrp="1"/>
-          </p:cNvSpPr>
-          <p:nvPr>
-            <p:ph idx="1"/>
-          </p:nvPr>
-        </p:nvSpPr>
-        <p:spPr/>
-        <p:txBody>
-          <a:bodyPr/>
-          <a:lstStyle/>
-          <a:p>
-            <a:r>
-              <a:rPr lang="en-GB" dirty="0"/>
-              <a:t>Based around </a:t>
-            </a:r>
-            <a:r>
-              <a:rPr lang="en-GB" dirty="0" err="1"/>
-              <a:t>JSONObject</a:t>
-            </a:r>
-            <a:r>
-              <a:rPr lang="en-GB" dirty="0"/>
-              <a:t> and </a:t>
-            </a:r>
-            <a:r>
-              <a:rPr lang="en-GB" dirty="0" err="1"/>
-              <a:t>JSONArray</a:t>
-            </a:r>
-            <a:endParaRPr lang="en-GB" dirty="0"/>
-          </a:p>
-          <a:p>
-            <a:r>
-              <a:rPr lang="en-GB" dirty="0"/>
-              <a:t>To provide individual and collection structures</a:t>
-            </a:r>
-          </a:p>
-          <a:p>
-            <a:pPr marL="0" indent="0">
-              <a:buNone/>
-            </a:pPr>
-            <a:r>
-              <a:rPr lang="en-GB" dirty="0"/>
-              <a:t>  (Basically extensions of HashMap and </a:t>
-            </a:r>
-            <a:r>
-              <a:rPr lang="en-GB" dirty="0" err="1"/>
-              <a:t>ArrayList</a:t>
-            </a:r>
-            <a:r>
-              <a:rPr lang="en-GB" dirty="0"/>
-              <a:t>)</a:t>
-            </a:r>
-          </a:p>
-          <a:p>
-            <a:endParaRPr lang="en-GB" dirty="0"/>
-          </a:p>
-          <a:p>
-            <a:r>
-              <a:rPr lang="en-GB" dirty="0"/>
-              <a:t>Documentation can (currently) be found here:</a:t>
-            </a:r>
-          </a:p>
-          <a:p>
-            <a:pPr marL="0" indent="0" algn="ctr">
-              <a:buNone/>
-            </a:pPr>
-            <a:r>
-              <a:rPr lang="en-GB" dirty="0">
-                <a:hlinkClick r:id="rId2"/>
-              </a:rPr>
-              <a:t>http://alex-public-doc.s3.amazonaws.com/</a:t>
-            </a:r>
-          </a:p>
-          <a:p>
-            <a:pPr marL="0" indent="0" algn="ctr">
-              <a:buNone/>
-            </a:pPr>
-            <a:r>
-              <a:rPr lang="en-GB" dirty="0">
-                <a:hlinkClick r:id="rId2"/>
-              </a:rPr>
-              <a:t>json_simple-1.1/index.html</a:t>
-            </a:r>
-            <a:endParaRPr lang="en-GB" dirty="0"/>
-          </a:p>
-          <a:p>
-            <a:endParaRPr lang="en-GB" dirty="0"/>
-          </a:p>
-          <a:p>
-            <a:r>
-              <a:rPr lang="en-GB" dirty="0"/>
-              <a:t>To pull out entities, we use the “get” methods…</a:t>
-            </a:r>
-          </a:p>
-        </p:txBody>
-      </p:sp>
-    </p:spTree>
-    <p:extLst>
-      <p:ext uri="{BB962C8B-B14F-4D97-AF65-F5344CB8AC3E}">
-        <p14:creationId xmlns:p14="http://schemas.microsoft.com/office/powerpoint/2010/main" val="45115705"/>
-      </p:ext>
-    </p:extLst>
-  </p:cSld>
-  <p:clrMapOvr>
-    <a:masterClrMapping/>
-  </p:clrMapOvr>
-</p:sld>
-</file>
-
-<file path=ppt/slides/slide12.xml><?xml version="1.0" encoding="utf-8"?>
-<p:sld xmlns:a="http://schemas.openxmlformats.org/drawingml/2006/main" xmlns:r="http://schemas.openxmlformats.org/officeDocument/2006/relationships" xmlns:p="http://schemas.openxmlformats.org/presentationml/2006/main">
-  <p:cSld>
-    <p:spTree>
-      <p:nvGrpSpPr>
-        <p:cNvPr id="1" name=""/>
-        <p:cNvGrpSpPr/>
-        <p:nvPr/>
-      </p:nvGrpSpPr>
-      <p:grpSpPr>
-        <a:xfrm>
-          <a:off x="0" y="0"/>
-          <a:ext cx="0" cy="0"/>
-          <a:chOff x="0" y="0"/>
-          <a:chExt cx="0" cy="0"/>
-        </a:xfrm>
-      </p:grpSpPr>
-      <p:sp>
-        <p:nvSpPr>
           <p:cNvPr id="4" name="Rectangle 3">
             <a:extLst>
               <a:ext uri="{FF2B5EF4-FFF2-40B4-BE49-F238E27FC236}">
@@ -4303,8 +4174,8 @@
         </p:nvSpPr>
         <p:spPr>
           <a:xfrm>
-            <a:off x="0" y="0"/>
-            <a:ext cx="9144000" cy="6858000"/>
+            <a:off x="0" y="1727200"/>
+            <a:ext cx="9144000" cy="5130800"/>
           </a:xfrm>
           <a:prstGeom prst="rect">
             <a:avLst/>
@@ -4355,16 +4226,15 @@
           </p:cNvPicPr>
           <p:nvPr/>
         </p:nvPicPr>
-        <p:blipFill>
+        <p:blipFill rotWithShape="1">
           <a:blip r:embed="rId2"/>
-          <a:stretch>
-            <a:fillRect/>
-          </a:stretch>
+          <a:srcRect b="69626"/>
+          <a:stretch/>
         </p:blipFill>
         <p:spPr>
           <a:xfrm>
-            <a:off x="304942" y="369426"/>
-            <a:ext cx="7591425" cy="2314575"/>
+            <a:off x="208338" y="3024895"/>
+            <a:ext cx="8727324" cy="808210"/>
           </a:xfrm>
           <a:prstGeom prst="rect">
             <a:avLst/>
@@ -4373,10 +4243,10 @@
       </p:pic>
       <p:pic>
         <p:nvPicPr>
-          <p:cNvPr id="8" name="Picture 7">
+          <p:cNvPr id="9" name="Picture 8">
             <a:extLst>
               <a:ext uri="{FF2B5EF4-FFF2-40B4-BE49-F238E27FC236}">
-                <a16:creationId xmlns:a16="http://schemas.microsoft.com/office/drawing/2014/main" id="{B84DCBDD-45DD-4CF8-A1AA-2A7F0D718C7D}"/>
+                <a16:creationId xmlns:a16="http://schemas.microsoft.com/office/drawing/2014/main" id="{4B68C973-82AB-4509-A304-6D13312E7B0E}"/>
               </a:ext>
             </a:extLst>
           </p:cNvPr>
@@ -4385,16 +4255,15 @@
           </p:cNvPicPr>
           <p:nvPr/>
         </p:nvPicPr>
-        <p:blipFill>
-          <a:blip r:embed="rId3"/>
-          <a:stretch>
-            <a:fillRect/>
-          </a:stretch>
+        <p:blipFill rotWithShape="1">
+          <a:blip r:embed="rId2"/>
+          <a:srcRect t="29885" b="50113"/>
+          <a:stretch/>
         </p:blipFill>
         <p:spPr>
           <a:xfrm>
-            <a:off x="304942" y="3004473"/>
-            <a:ext cx="6172200" cy="1314450"/>
+            <a:off x="208338" y="4091762"/>
+            <a:ext cx="8727319" cy="532224"/>
           </a:xfrm>
           <a:prstGeom prst="rect">
             <a:avLst/>
@@ -4403,10 +4272,10 @@
       </p:pic>
       <p:pic>
         <p:nvPicPr>
-          <p:cNvPr id="10" name="Picture 9">
+          <p:cNvPr id="11" name="Picture 10">
             <a:extLst>
               <a:ext uri="{FF2B5EF4-FFF2-40B4-BE49-F238E27FC236}">
-                <a16:creationId xmlns:a16="http://schemas.microsoft.com/office/drawing/2014/main" id="{308B6EC6-6122-4C44-9FD0-6201DFA71ACD}"/>
+                <a16:creationId xmlns:a16="http://schemas.microsoft.com/office/drawing/2014/main" id="{D1F70747-A68E-4E4E-8D0C-A935D4E8919D}"/>
               </a:ext>
             </a:extLst>
           </p:cNvPr>
@@ -4415,16 +4284,15 @@
           </p:cNvPicPr>
           <p:nvPr/>
         </p:nvPicPr>
-        <p:blipFill>
-          <a:blip r:embed="rId4"/>
-          <a:stretch>
-            <a:fillRect/>
-          </a:stretch>
+        <p:blipFill rotWithShape="1">
+          <a:blip r:embed="rId2"/>
+          <a:srcRect t="58655" b="13545"/>
+          <a:stretch/>
         </p:blipFill>
         <p:spPr>
           <a:xfrm>
-            <a:off x="304942" y="4688349"/>
-            <a:ext cx="7096125" cy="1800225"/>
+            <a:off x="208338" y="4918564"/>
+            <a:ext cx="8727319" cy="739748"/>
           </a:xfrm>
           <a:prstGeom prst="rect">
             <a:avLst/>
@@ -4433,53 +4301,29 @@
       </p:pic>
       <p:sp>
         <p:nvSpPr>
-          <p:cNvPr id="7" name="Rectangle 6">
+          <p:cNvPr id="2" name="Title 1">
             <a:extLst>
               <a:ext uri="{FF2B5EF4-FFF2-40B4-BE49-F238E27FC236}">
-                <a16:creationId xmlns:a16="http://schemas.microsoft.com/office/drawing/2014/main" id="{A06E2094-9E27-42EA-820E-E5DB32E3D94B}"/>
+                <a16:creationId xmlns:a16="http://schemas.microsoft.com/office/drawing/2014/main" id="{F9FF26AF-6CE3-47BD-899C-5720AE86138A}"/>
               </a:ext>
             </a:extLst>
           </p:cNvPr>
-          <p:cNvSpPr/>
-          <p:nvPr/>
-        </p:nvSpPr>
-        <p:spPr>
-          <a:xfrm>
-            <a:off x="22576" y="1526713"/>
-            <a:ext cx="9144000" cy="166620"/>
-          </a:xfrm>
-          <a:prstGeom prst="rect">
-            <a:avLst/>
-          </a:prstGeom>
-          <a:solidFill>
-            <a:srgbClr val="F8F8F8"/>
-          </a:solidFill>
-          <a:ln>
-            <a:noFill/>
-          </a:ln>
-        </p:spPr>
-        <p:style>
-          <a:lnRef idx="2">
-            <a:schemeClr val="accent1">
-              <a:shade val="50000"/>
-            </a:schemeClr>
-          </a:lnRef>
-          <a:fillRef idx="1">
-            <a:schemeClr val="accent1"/>
-          </a:fillRef>
-          <a:effectRef idx="0">
-            <a:schemeClr val="accent1"/>
-          </a:effectRef>
-          <a:fontRef idx="minor">
-            <a:schemeClr val="lt1"/>
-          </a:fontRef>
-        </p:style>
-        <p:txBody>
-          <a:bodyPr rtlCol="0" anchor="ctr"/>
-          <a:lstStyle/>
-          <a:p>
-            <a:pPr algn="ctr"/>
-            <a:endParaRPr lang="en-GB"/>
+          <p:cNvSpPr>
+            <a:spLocks noGrp="1"/>
+          </p:cNvSpPr>
+          <p:nvPr>
+            <p:ph type="title"/>
+          </p:nvPr>
+        </p:nvSpPr>
+        <p:spPr/>
+        <p:txBody>
+          <a:bodyPr/>
+          <a:lstStyle/>
+          <a:p>
+            <a:r>
+              <a:rPr lang="en-GB" dirty="0"/>
+              <a:t>Imports</a:t>
+            </a:r>
           </a:p>
         </p:txBody>
       </p:sp>
@@ -4493,130 +4337,10 @@
   <p:clrMapOvr>
     <a:masterClrMapping/>
   </p:clrMapOvr>
-  <p:timing>
-    <p:tnLst>
-      <p:par>
-        <p:cTn id="1" dur="indefinite" restart="never" nodeType="tmRoot">
-          <p:childTnLst>
-            <p:seq concurrent="1" nextAc="seek">
-              <p:cTn id="2" dur="indefinite" nodeType="mainSeq">
-                <p:childTnLst>
-                  <p:par>
-                    <p:cTn id="3" fill="hold">
-                      <p:stCondLst>
-                        <p:cond delay="indefinite"/>
-                      </p:stCondLst>
-                      <p:childTnLst>
-                        <p:par>
-                          <p:cTn id="4" fill="hold">
-                            <p:stCondLst>
-                              <p:cond delay="0"/>
-                            </p:stCondLst>
-                            <p:childTnLst>
-                              <p:par>
-                                <p:cTn id="5" presetID="1" presetClass="entr" presetSubtype="0" fill="hold" nodeType="clickEffect">
-                                  <p:stCondLst>
-                                    <p:cond delay="0"/>
-                                  </p:stCondLst>
-                                  <p:childTnLst>
-                                    <p:set>
-                                      <p:cBhvr>
-                                        <p:cTn id="6" dur="1" fill="hold">
-                                          <p:stCondLst>
-                                            <p:cond delay="0"/>
-                                          </p:stCondLst>
-                                        </p:cTn>
-                                        <p:tgtEl>
-                                          <p:spTgt spid="8"/>
-                                        </p:tgtEl>
-                                        <p:attrNameLst>
-                                          <p:attrName>style.visibility</p:attrName>
-                                        </p:attrNameLst>
-                                      </p:cBhvr>
-                                      <p:to>
-                                        <p:strVal val="visible"/>
-                                      </p:to>
-                                    </p:set>
-                                  </p:childTnLst>
-                                </p:cTn>
-                              </p:par>
-                            </p:childTnLst>
-                          </p:cTn>
-                        </p:par>
-                      </p:childTnLst>
-                    </p:cTn>
-                  </p:par>
-                  <p:par>
-                    <p:cTn id="7" fill="hold">
-                      <p:stCondLst>
-                        <p:cond delay="indefinite"/>
-                      </p:stCondLst>
-                      <p:childTnLst>
-                        <p:par>
-                          <p:cTn id="8" fill="hold">
-                            <p:stCondLst>
-                              <p:cond delay="0"/>
-                            </p:stCondLst>
-                            <p:childTnLst>
-                              <p:par>
-                                <p:cTn id="9" presetID="1" presetClass="entr" presetSubtype="0" fill="hold" nodeType="clickEffect">
-                                  <p:stCondLst>
-                                    <p:cond delay="0"/>
-                                  </p:stCondLst>
-                                  <p:childTnLst>
-                                    <p:set>
-                                      <p:cBhvr>
-                                        <p:cTn id="10" dur="1" fill="hold">
-                                          <p:stCondLst>
-                                            <p:cond delay="0"/>
-                                          </p:stCondLst>
-                                        </p:cTn>
-                                        <p:tgtEl>
-                                          <p:spTgt spid="10"/>
-                                        </p:tgtEl>
-                                        <p:attrNameLst>
-                                          <p:attrName>style.visibility</p:attrName>
-                                        </p:attrNameLst>
-                                      </p:cBhvr>
-                                      <p:to>
-                                        <p:strVal val="visible"/>
-                                      </p:to>
-                                    </p:set>
-                                  </p:childTnLst>
-                                </p:cTn>
-                              </p:par>
-                            </p:childTnLst>
-                          </p:cTn>
-                        </p:par>
-                      </p:childTnLst>
-                    </p:cTn>
-                  </p:par>
-                </p:childTnLst>
-              </p:cTn>
-              <p:prevCondLst>
-                <p:cond evt="onPrev" delay="0">
-                  <p:tgtEl>
-                    <p:sldTgt/>
-                  </p:tgtEl>
-                </p:cond>
-              </p:prevCondLst>
-              <p:nextCondLst>
-                <p:cond evt="onNext" delay="0">
-                  <p:tgtEl>
-                    <p:sldTgt/>
-                  </p:tgtEl>
-                </p:cond>
-              </p:nextCondLst>
-            </p:seq>
-          </p:childTnLst>
-        </p:cTn>
-      </p:par>
-    </p:tnLst>
-  </p:timing>
 </p:sld>
 </file>
 
-<file path=ppt/slides/slide13.xml><?xml version="1.0" encoding="utf-8"?>
+<file path=ppt/slides/slide12.xml><?xml version="1.0" encoding="utf-8"?>
 <p:sld xmlns:a="http://schemas.openxmlformats.org/drawingml/2006/main" xmlns:r="http://schemas.openxmlformats.org/officeDocument/2006/relationships" xmlns:p="http://schemas.openxmlformats.org/presentationml/2006/main">
   <p:cSld>
     <p:spTree>
@@ -4635,65 +4359,10 @@
       </p:grpSpPr>
       <p:sp>
         <p:nvSpPr>
-          <p:cNvPr id="4" name="Rectangle 3">
-            <a:extLst>
-              <a:ext uri="{FF2B5EF4-FFF2-40B4-BE49-F238E27FC236}">
-                <a16:creationId xmlns:a16="http://schemas.microsoft.com/office/drawing/2014/main" id="{D1386ACF-9111-45EF-8839-E4B109851B68}"/>
-              </a:ext>
-            </a:extLst>
-          </p:cNvPr>
-          <p:cNvSpPr/>
-          <p:nvPr/>
-        </p:nvSpPr>
-        <p:spPr>
-          <a:xfrm>
-            <a:off x="297039" y="2111022"/>
-            <a:ext cx="8218311" cy="1106311"/>
-          </a:xfrm>
-          <a:prstGeom prst="rect">
-            <a:avLst/>
-          </a:prstGeom>
-          <a:solidFill>
-            <a:srgbClr val="F8F8F8"/>
-          </a:solidFill>
-          <a:ln w="127000" cap="rnd">
-            <a:solidFill>
-              <a:srgbClr val="F8F8F8"/>
-            </a:solidFill>
-            <a:round/>
-          </a:ln>
-        </p:spPr>
-        <p:style>
-          <a:lnRef idx="2">
-            <a:schemeClr val="accent1">
-              <a:shade val="50000"/>
-            </a:schemeClr>
-          </a:lnRef>
-          <a:fillRef idx="1">
-            <a:schemeClr val="accent1"/>
-          </a:fillRef>
-          <a:effectRef idx="0">
-            <a:schemeClr val="accent1"/>
-          </a:effectRef>
-          <a:fontRef idx="minor">
-            <a:schemeClr val="lt1"/>
-          </a:fontRef>
-        </p:style>
-        <p:txBody>
-          <a:bodyPr rtlCol="0" anchor="ctr"/>
-          <a:lstStyle/>
-          <a:p>
-            <a:pPr algn="ctr"/>
-            <a:endParaRPr lang="en-GB" dirty="0"/>
-          </a:p>
-        </p:txBody>
-      </p:sp>
-      <p:sp>
-        <p:nvSpPr>
           <p:cNvPr id="2" name="Title 1">
             <a:extLst>
               <a:ext uri="{FF2B5EF4-FFF2-40B4-BE49-F238E27FC236}">
-                <a16:creationId xmlns:a16="http://schemas.microsoft.com/office/drawing/2014/main" id="{BD711097-147E-44B3-81FD-9CF2CEF7AFE5}"/>
+                <a16:creationId xmlns:a16="http://schemas.microsoft.com/office/drawing/2014/main" id="{BFC1D6AA-99B2-4715-AC86-C1A7072873F0}"/>
               </a:ext>
             </a:extLst>
           </p:cNvPr>
@@ -4710,10 +4379,9 @@
           <a:lstStyle/>
           <a:p>
             <a:r>
-              <a:rPr lang="en-GB" dirty="0" err="1"/>
-              <a:t>Application.properties</a:t>
-            </a:r>
-            <a:endParaRPr lang="en-GB" dirty="0"/>
+              <a:rPr lang="en-GB" dirty="0"/>
+              <a:t>Using JSON-Simple</a:t>
+            </a:r>
           </a:p>
         </p:txBody>
       </p:sp>
@@ -4722,7 +4390,7 @@
           <p:cNvPr id="3" name="Content Placeholder 2">
             <a:extLst>
               <a:ext uri="{FF2B5EF4-FFF2-40B4-BE49-F238E27FC236}">
-                <a16:creationId xmlns:a16="http://schemas.microsoft.com/office/drawing/2014/main" id="{B1BC7FC1-88FC-43A8-A2CB-34266A318344}"/>
+                <a16:creationId xmlns:a16="http://schemas.microsoft.com/office/drawing/2014/main" id="{D8868E47-3C02-4853-9E32-F27D1E461D0B}"/>
               </a:ext>
             </a:extLst>
           </p:cNvPr>
@@ -4738,60 +4406,86 @@
           <a:bodyPr/>
           <a:lstStyle/>
           <a:p>
+            <a:r>
+              <a:rPr lang="en-GB" dirty="0"/>
+              <a:t>Based around </a:t>
+            </a:r>
+            <a:r>
+              <a:rPr lang="en-GB" dirty="0" err="1"/>
+              <a:t>JSONObject</a:t>
+            </a:r>
+            <a:r>
+              <a:rPr lang="en-GB" dirty="0"/>
+              <a:t> and </a:t>
+            </a:r>
+            <a:r>
+              <a:rPr lang="en-GB" dirty="0" err="1"/>
+              <a:t>JSONArray</a:t>
+            </a:r>
+            <a:endParaRPr lang="en-GB" dirty="0"/>
+          </a:p>
+          <a:p>
+            <a:r>
+              <a:rPr lang="en-GB" dirty="0"/>
+              <a:t>To provide entity and collection structures</a:t>
+            </a:r>
+          </a:p>
+          <a:p>
             <a:pPr marL="0" indent="0">
               <a:buNone/>
             </a:pPr>
-            <a:endParaRPr lang="en-GB" dirty="0">
-              <a:solidFill>
-                <a:schemeClr val="tx1"/>
-              </a:solidFill>
-            </a:endParaRPr>
-          </a:p>
-          <a:p>
-            <a:pPr marL="0" indent="0">
+            <a:r>
+              <a:rPr lang="en-GB" dirty="0"/>
+              <a:t>  (Basically extensions of HashMap and </a:t>
+            </a:r>
+            <a:r>
+              <a:rPr lang="en-GB" dirty="0" err="1"/>
+              <a:t>ArrayList</a:t>
+            </a:r>
+            <a:r>
+              <a:rPr lang="en-GB" dirty="0"/>
+              <a:t>)</a:t>
+            </a:r>
+          </a:p>
+          <a:p>
+            <a:endParaRPr lang="en-GB" dirty="0"/>
+          </a:p>
+          <a:p>
+            <a:r>
+              <a:rPr lang="en-GB" dirty="0"/>
+              <a:t>Documentation can (currently) be found here:</a:t>
+            </a:r>
+          </a:p>
+          <a:p>
+            <a:pPr marL="0" indent="0" algn="ctr">
               <a:buNone/>
             </a:pPr>
             <a:r>
-              <a:rPr lang="en-GB" dirty="0" err="1">
-                <a:solidFill>
-                  <a:schemeClr val="tx1"/>
-                </a:solidFill>
+              <a:rPr lang="en-GB" dirty="0">
+                <a:hlinkClick r:id="rId2"/>
               </a:rPr>
-              <a:t>openproject.apikey</a:t>
-            </a:r>
-            <a:r>
-              <a:rPr lang="en-GB">
-                <a:solidFill>
-                  <a:schemeClr val="tx1"/>
-                </a:solidFill>
-              </a:rPr>
-              <a:t>: 5c1a6a8d4d22056269a67cb7</a:t>
-            </a:r>
-            <a:endParaRPr lang="en-GB" dirty="0">
-              <a:solidFill>
-                <a:schemeClr val="tx1"/>
-              </a:solidFill>
-            </a:endParaRPr>
-          </a:p>
-          <a:p>
-            <a:pPr marL="0" indent="0">
+              <a:t>http://alex-public-doc.s3.amazonaws.com/</a:t>
+            </a:r>
+          </a:p>
+          <a:p>
+            <a:pPr marL="0" indent="0" algn="ctr">
               <a:buNone/>
             </a:pPr>
             <a:r>
-              <a:rPr lang="en-GB" dirty="0" err="1">
-                <a:solidFill>
-                  <a:schemeClr val="tx1"/>
-                </a:solidFill>
+              <a:rPr lang="en-GB" dirty="0">
+                <a:hlinkClick r:id="rId2"/>
               </a:rPr>
-              <a:t>openproject.server</a:t>
-            </a:r>
-            <a:r>
-              <a:rPr lang="en-GB" dirty="0">
-                <a:solidFill>
-                  <a:schemeClr val="tx1"/>
-                </a:solidFill>
-              </a:rPr>
-              <a:t>: https://op.spe-hub.net/api/v3</a:t>
+              <a:t>json_simple-1.1/index.html</a:t>
+            </a:r>
+            <a:endParaRPr lang="en-GB" dirty="0"/>
+          </a:p>
+          <a:p>
+            <a:endParaRPr lang="en-GB" dirty="0"/>
+          </a:p>
+          <a:p>
+            <a:r>
+              <a:rPr lang="en-GB" dirty="0"/>
+              <a:t>To pull out entities, we use the “get” methods…</a:t>
             </a:r>
           </a:p>
         </p:txBody>
@@ -4799,7 +4493,7 @@
     </p:spTree>
     <p:extLst>
       <p:ext uri="{BB962C8B-B14F-4D97-AF65-F5344CB8AC3E}">
-        <p14:creationId xmlns:p14="http://schemas.microsoft.com/office/powerpoint/2010/main" val="123378949"/>
+        <p14:creationId xmlns:p14="http://schemas.microsoft.com/office/powerpoint/2010/main" val="45115705"/>
       </p:ext>
     </p:extLst>
   </p:cSld>
@@ -4809,7 +4503,7 @@
 </p:sld>
 </file>
 
-<file path=ppt/slides/slide14.xml><?xml version="1.0" encoding="utf-8"?>
+<file path=ppt/slides/slide13.xml><?xml version="1.0" encoding="utf-8"?>
 <p:sld xmlns:a="http://schemas.openxmlformats.org/drawingml/2006/main" xmlns:r="http://schemas.openxmlformats.org/officeDocument/2006/relationships" xmlns:p="http://schemas.openxmlformats.org/presentationml/2006/main">
   <p:cSld>
     <p:spTree>
@@ -5491,6 +5185,125 @@
 </p:sld>
 </file>
 
+<file path=ppt/slides/slide14.xml><?xml version="1.0" encoding="utf-8"?>
+<p:sld xmlns:a="http://schemas.openxmlformats.org/drawingml/2006/main" xmlns:r="http://schemas.openxmlformats.org/officeDocument/2006/relationships" xmlns:p="http://schemas.openxmlformats.org/presentationml/2006/main">
+  <p:cSld>
+    <p:spTree>
+      <p:nvGrpSpPr>
+        <p:cNvPr id="1" name=""/>
+        <p:cNvGrpSpPr/>
+        <p:nvPr/>
+      </p:nvGrpSpPr>
+      <p:grpSpPr>
+        <a:xfrm>
+          <a:off x="0" y="0"/>
+          <a:ext cx="0" cy="0"/>
+          <a:chOff x="0" y="0"/>
+          <a:chExt cx="0" cy="0"/>
+        </a:xfrm>
+      </p:grpSpPr>
+      <p:sp>
+        <p:nvSpPr>
+          <p:cNvPr id="6" name="Title 5">
+            <a:extLst>
+              <a:ext uri="{FF2B5EF4-FFF2-40B4-BE49-F238E27FC236}">
+                <a16:creationId xmlns:a16="http://schemas.microsoft.com/office/drawing/2014/main" id="{E8F17E97-AB92-456A-BBA5-08D5132CD41C}"/>
+              </a:ext>
+            </a:extLst>
+          </p:cNvPr>
+          <p:cNvSpPr>
+            <a:spLocks noGrp="1"/>
+          </p:cNvSpPr>
+          <p:nvPr>
+            <p:ph type="title"/>
+          </p:nvPr>
+        </p:nvSpPr>
+        <p:spPr>
+          <a:xfrm>
+            <a:off x="623888" y="1156580"/>
+            <a:ext cx="7886700" cy="2852737"/>
+          </a:xfrm>
+        </p:spPr>
+        <p:txBody>
+          <a:bodyPr/>
+          <a:lstStyle/>
+          <a:p>
+            <a:r>
+              <a:rPr lang="en-GB" dirty="0"/>
+              <a:t>A more complex example?</a:t>
+            </a:r>
+            <a:br>
+              <a:rPr lang="en-GB" dirty="0"/>
+            </a:br>
+            <a:br>
+              <a:rPr lang="en-GB" dirty="0"/>
+            </a:br>
+            <a:endParaRPr lang="en-GB" dirty="0"/>
+          </a:p>
+        </p:txBody>
+      </p:sp>
+      <p:sp>
+        <p:nvSpPr>
+          <p:cNvPr id="7" name="Text Placeholder 6">
+            <a:extLst>
+              <a:ext uri="{FF2B5EF4-FFF2-40B4-BE49-F238E27FC236}">
+                <a16:creationId xmlns:a16="http://schemas.microsoft.com/office/drawing/2014/main" id="{0E50A7E8-0CBA-41B2-8702-93673F999499}"/>
+              </a:ext>
+            </a:extLst>
+          </p:cNvPr>
+          <p:cNvSpPr>
+            <a:spLocks noGrp="1"/>
+          </p:cNvSpPr>
+          <p:nvPr>
+            <p:ph type="body" idx="1"/>
+          </p:nvPr>
+        </p:nvSpPr>
+        <p:spPr>
+          <a:xfrm>
+            <a:off x="623888" y="4036305"/>
+            <a:ext cx="7886700" cy="1500187"/>
+          </a:xfrm>
+        </p:spPr>
+        <p:txBody>
+          <a:bodyPr>
+            <a:normAutofit/>
+          </a:bodyPr>
+          <a:lstStyle/>
+          <a:p>
+            <a:r>
+              <a:rPr lang="en-GB" sz="2200" dirty="0">
+                <a:solidFill>
+                  <a:schemeClr val="bg1"/>
+                </a:solidFill>
+              </a:rPr>
+              <a:t>Tally up the different types of work package in a project</a:t>
+            </a:r>
+          </a:p>
+          <a:p>
+            <a:r>
+              <a:rPr lang="en-GB" sz="2200" dirty="0">
+                <a:solidFill>
+                  <a:schemeClr val="bg1"/>
+                </a:solidFill>
+              </a:rPr>
+              <a:t>For example: 3 phases, 5 tasks, 4 milestones</a:t>
+            </a:r>
+          </a:p>
+        </p:txBody>
+      </p:sp>
+    </p:spTree>
+    <p:extLst>
+      <p:ext uri="{BB962C8B-B14F-4D97-AF65-F5344CB8AC3E}">
+        <p14:creationId xmlns:p14="http://schemas.microsoft.com/office/powerpoint/2010/main" val="1770058124"/>
+      </p:ext>
+    </p:extLst>
+  </p:cSld>
+  <p:clrMapOvr>
+    <a:masterClrMapping/>
+  </p:clrMapOvr>
+</p:sld>
+</file>
+
 <file path=ppt/slides/slide15.xml><?xml version="1.0" encoding="utf-8"?>
 <p:sld xmlns:a="http://schemas.openxmlformats.org/drawingml/2006/main" xmlns:r="http://schemas.openxmlformats.org/officeDocument/2006/relationships" xmlns:p="http://schemas.openxmlformats.org/presentationml/2006/main">
   <p:cSld>
@@ -5510,125 +5323,6 @@
       </p:grpSpPr>
       <p:sp>
         <p:nvSpPr>
-          <p:cNvPr id="6" name="Title 5">
-            <a:extLst>
-              <a:ext uri="{FF2B5EF4-FFF2-40B4-BE49-F238E27FC236}">
-                <a16:creationId xmlns:a16="http://schemas.microsoft.com/office/drawing/2014/main" id="{E8F17E97-AB92-456A-BBA5-08D5132CD41C}"/>
-              </a:ext>
-            </a:extLst>
-          </p:cNvPr>
-          <p:cNvSpPr>
-            <a:spLocks noGrp="1"/>
-          </p:cNvSpPr>
-          <p:nvPr>
-            <p:ph type="title"/>
-          </p:nvPr>
-        </p:nvSpPr>
-        <p:spPr>
-          <a:xfrm>
-            <a:off x="623888" y="1156580"/>
-            <a:ext cx="7886700" cy="2852737"/>
-          </a:xfrm>
-        </p:spPr>
-        <p:txBody>
-          <a:bodyPr/>
-          <a:lstStyle/>
-          <a:p>
-            <a:r>
-              <a:rPr lang="en-GB" dirty="0"/>
-              <a:t>A more complex example?</a:t>
-            </a:r>
-            <a:br>
-              <a:rPr lang="en-GB" dirty="0"/>
-            </a:br>
-            <a:br>
-              <a:rPr lang="en-GB" dirty="0"/>
-            </a:br>
-            <a:endParaRPr lang="en-GB" dirty="0"/>
-          </a:p>
-        </p:txBody>
-      </p:sp>
-      <p:sp>
-        <p:nvSpPr>
-          <p:cNvPr id="7" name="Text Placeholder 6">
-            <a:extLst>
-              <a:ext uri="{FF2B5EF4-FFF2-40B4-BE49-F238E27FC236}">
-                <a16:creationId xmlns:a16="http://schemas.microsoft.com/office/drawing/2014/main" id="{0E50A7E8-0CBA-41B2-8702-93673F999499}"/>
-              </a:ext>
-            </a:extLst>
-          </p:cNvPr>
-          <p:cNvSpPr>
-            <a:spLocks noGrp="1"/>
-          </p:cNvSpPr>
-          <p:nvPr>
-            <p:ph type="body" idx="1"/>
-          </p:nvPr>
-        </p:nvSpPr>
-        <p:spPr>
-          <a:xfrm>
-            <a:off x="623888" y="4036305"/>
-            <a:ext cx="7886700" cy="1500187"/>
-          </a:xfrm>
-        </p:spPr>
-        <p:txBody>
-          <a:bodyPr>
-            <a:normAutofit/>
-          </a:bodyPr>
-          <a:lstStyle/>
-          <a:p>
-            <a:r>
-              <a:rPr lang="en-GB" sz="2200" dirty="0">
-                <a:solidFill>
-                  <a:schemeClr val="bg1"/>
-                </a:solidFill>
-              </a:rPr>
-              <a:t>Tally up the different types of work package in a project</a:t>
-            </a:r>
-          </a:p>
-          <a:p>
-            <a:r>
-              <a:rPr lang="en-GB" sz="2200" dirty="0">
-                <a:solidFill>
-                  <a:schemeClr val="bg1"/>
-                </a:solidFill>
-              </a:rPr>
-              <a:t>For example: 3 phases, 5 tasks, 4 milestones</a:t>
-            </a:r>
-          </a:p>
-        </p:txBody>
-      </p:sp>
-    </p:spTree>
-    <p:extLst>
-      <p:ext uri="{BB962C8B-B14F-4D97-AF65-F5344CB8AC3E}">
-        <p14:creationId xmlns:p14="http://schemas.microsoft.com/office/powerpoint/2010/main" val="1770058124"/>
-      </p:ext>
-    </p:extLst>
-  </p:cSld>
-  <p:clrMapOvr>
-    <a:masterClrMapping/>
-  </p:clrMapOvr>
-</p:sld>
-</file>
-
-<file path=ppt/slides/slide16.xml><?xml version="1.0" encoding="utf-8"?>
-<p:sld xmlns:a="http://schemas.openxmlformats.org/drawingml/2006/main" xmlns:r="http://schemas.openxmlformats.org/officeDocument/2006/relationships" xmlns:p="http://schemas.openxmlformats.org/presentationml/2006/main">
-  <p:cSld>
-    <p:spTree>
-      <p:nvGrpSpPr>
-        <p:cNvPr id="1" name=""/>
-        <p:cNvGrpSpPr/>
-        <p:nvPr/>
-      </p:nvGrpSpPr>
-      <p:grpSpPr>
-        <a:xfrm>
-          <a:off x="0" y="0"/>
-          <a:ext cx="0" cy="0"/>
-          <a:chOff x="0" y="0"/>
-          <a:chExt cx="0" cy="0"/>
-        </a:xfrm>
-      </p:grpSpPr>
-      <p:sp>
-        <p:nvSpPr>
           <p:cNvPr id="2" name="Title 1">
             <a:extLst>
               <a:ext uri="{FF2B5EF4-FFF2-40B4-BE49-F238E27FC236}">
@@ -5729,7 +5423,7 @@
 </p:sld>
 </file>
 
-<file path=ppt/slides/slide17.xml><?xml version="1.0" encoding="utf-8"?>
+<file path=ppt/slides/slide16.xml><?xml version="1.0" encoding="utf-8"?>
 <p:sld xmlns:a="http://schemas.openxmlformats.org/drawingml/2006/main" xmlns:r="http://schemas.openxmlformats.org/officeDocument/2006/relationships" xmlns:p="http://schemas.openxmlformats.org/presentationml/2006/main">
   <p:cSld>
     <p:spTree>
@@ -6700,7 +6394,7 @@
 </p:sld>
 </file>
 
-<file path=ppt/slides/slide18.xml><?xml version="1.0" encoding="utf-8"?>
+<file path=ppt/slides/slide17.xml><?xml version="1.0" encoding="utf-8"?>
 <p:sld xmlns:a="http://schemas.openxmlformats.org/drawingml/2006/main" xmlns:r="http://schemas.openxmlformats.org/officeDocument/2006/relationships" xmlns:p="http://schemas.openxmlformats.org/presentationml/2006/main">
   <p:cSld>
     <p:spTree>
@@ -7632,7 +7326,7 @@
 </p:sld>
 </file>
 
-<file path=ppt/slides/slide19.xml><?xml version="1.0" encoding="utf-8"?>
+<file path=ppt/slides/slide18.xml><?xml version="1.0" encoding="utf-8"?>
 <p:sld xmlns:a="http://schemas.openxmlformats.org/drawingml/2006/main" xmlns:r="http://schemas.openxmlformats.org/officeDocument/2006/relationships" xmlns:p="http://schemas.openxmlformats.org/presentationml/2006/main">
   <p:cSld>
     <p:spTree>
@@ -7957,132 +7651,7 @@
 </p:sld>
 </file>
 
-<file path=ppt/slides/slide2.xml><?xml version="1.0" encoding="utf-8"?>
-<p:sld xmlns:a="http://schemas.openxmlformats.org/drawingml/2006/main" xmlns:r="http://schemas.openxmlformats.org/officeDocument/2006/relationships" xmlns:p="http://schemas.openxmlformats.org/presentationml/2006/main">
-  <p:cSld>
-    <p:spTree>
-      <p:nvGrpSpPr>
-        <p:cNvPr id="1" name=""/>
-        <p:cNvGrpSpPr/>
-        <p:nvPr/>
-      </p:nvGrpSpPr>
-      <p:grpSpPr>
-        <a:xfrm>
-          <a:off x="0" y="0"/>
-          <a:ext cx="0" cy="0"/>
-          <a:chOff x="0" y="0"/>
-          <a:chExt cx="0" cy="0"/>
-        </a:xfrm>
-      </p:grpSpPr>
-      <p:sp>
-        <p:nvSpPr>
-          <p:cNvPr id="2" name="Title 1">
-            <a:extLst>
-              <a:ext uri="{FF2B5EF4-FFF2-40B4-BE49-F238E27FC236}">
-                <a16:creationId xmlns:a16="http://schemas.microsoft.com/office/drawing/2014/main" id="{80FCEC85-B5BD-494C-A543-941ABA862953}"/>
-              </a:ext>
-            </a:extLst>
-          </p:cNvPr>
-          <p:cNvSpPr>
-            <a:spLocks noGrp="1"/>
-          </p:cNvSpPr>
-          <p:nvPr>
-            <p:ph type="title"/>
-          </p:nvPr>
-        </p:nvSpPr>
-        <p:spPr/>
-        <p:txBody>
-          <a:bodyPr/>
-          <a:lstStyle/>
-          <a:p>
-            <a:r>
-              <a:rPr lang="en-GB" dirty="0"/>
-              <a:t>Aim of this session</a:t>
-            </a:r>
-          </a:p>
-        </p:txBody>
-      </p:sp>
-      <p:sp>
-        <p:nvSpPr>
-          <p:cNvPr id="3" name="Content Placeholder 2">
-            <a:extLst>
-              <a:ext uri="{FF2B5EF4-FFF2-40B4-BE49-F238E27FC236}">
-                <a16:creationId xmlns:a16="http://schemas.microsoft.com/office/drawing/2014/main" id="{ED812CB1-E48E-4FDE-A018-BF78B07CC451}"/>
-              </a:ext>
-            </a:extLst>
-          </p:cNvPr>
-          <p:cNvSpPr>
-            <a:spLocks noGrp="1"/>
-          </p:cNvSpPr>
-          <p:nvPr>
-            <p:ph idx="1"/>
-          </p:nvPr>
-        </p:nvSpPr>
-        <p:spPr/>
-        <p:txBody>
-          <a:bodyPr/>
-          <a:lstStyle/>
-          <a:p>
-            <a:r>
-              <a:rPr lang="en-GB" dirty="0"/>
-              <a:t>Introduce the concept of JSON</a:t>
-            </a:r>
-          </a:p>
-          <a:p>
-            <a:r>
-              <a:rPr lang="en-GB" dirty="0"/>
-              <a:t>Explore uses of JSON in development</a:t>
-            </a:r>
-          </a:p>
-          <a:p>
-            <a:r>
-              <a:rPr lang="en-GB" dirty="0"/>
-              <a:t>Look at some basic parsing &amp; interrogation</a:t>
-            </a:r>
-          </a:p>
-          <a:p>
-            <a:r>
-              <a:rPr lang="en-GB" dirty="0"/>
-              <a:t>Consider more sophisticated parsing tools</a:t>
-            </a:r>
-          </a:p>
-          <a:p>
-            <a:endParaRPr lang="en-GB" dirty="0"/>
-          </a:p>
-          <a:p>
-            <a:r>
-              <a:rPr lang="en-GB" dirty="0"/>
-              <a:t>What you will see today are MINIMAL examples</a:t>
-            </a:r>
-          </a:p>
-          <a:p>
-            <a:r>
-              <a:rPr lang="en-GB" dirty="0"/>
-              <a:t>Just enough to get something up and running</a:t>
-            </a:r>
-          </a:p>
-          <a:p>
-            <a:r>
-              <a:rPr lang="en-GB" dirty="0"/>
-              <a:t>You’ll probably want to extend &amp; improve them !</a:t>
-            </a:r>
-          </a:p>
-        </p:txBody>
-      </p:sp>
-    </p:spTree>
-    <p:extLst>
-      <p:ext uri="{BB962C8B-B14F-4D97-AF65-F5344CB8AC3E}">
-        <p14:creationId xmlns:p14="http://schemas.microsoft.com/office/powerpoint/2010/main" val="2424281466"/>
-      </p:ext>
-    </p:extLst>
-  </p:cSld>
-  <p:clrMapOvr>
-    <a:masterClrMapping/>
-  </p:clrMapOvr>
-</p:sld>
-</file>
-
-<file path=ppt/slides/slide20.xml><?xml version="1.0" encoding="utf-8"?>
+<file path=ppt/slides/slide19.xml><?xml version="1.0" encoding="utf-8"?>
 <p:sld xmlns:a="http://schemas.openxmlformats.org/drawingml/2006/main" xmlns:r="http://schemas.openxmlformats.org/officeDocument/2006/relationships" xmlns:p="http://schemas.openxmlformats.org/presentationml/2006/main">
   <p:cSld>
     <p:spTree>
@@ -8998,7 +8567,132 @@
 </p:sld>
 </file>
 
-<file path=ppt/slides/slide21.xml><?xml version="1.0" encoding="utf-8"?>
+<file path=ppt/slides/slide2.xml><?xml version="1.0" encoding="utf-8"?>
+<p:sld xmlns:a="http://schemas.openxmlformats.org/drawingml/2006/main" xmlns:r="http://schemas.openxmlformats.org/officeDocument/2006/relationships" xmlns:p="http://schemas.openxmlformats.org/presentationml/2006/main">
+  <p:cSld>
+    <p:spTree>
+      <p:nvGrpSpPr>
+        <p:cNvPr id="1" name=""/>
+        <p:cNvGrpSpPr/>
+        <p:nvPr/>
+      </p:nvGrpSpPr>
+      <p:grpSpPr>
+        <a:xfrm>
+          <a:off x="0" y="0"/>
+          <a:ext cx="0" cy="0"/>
+          <a:chOff x="0" y="0"/>
+          <a:chExt cx="0" cy="0"/>
+        </a:xfrm>
+      </p:grpSpPr>
+      <p:sp>
+        <p:nvSpPr>
+          <p:cNvPr id="2" name="Title 1">
+            <a:extLst>
+              <a:ext uri="{FF2B5EF4-FFF2-40B4-BE49-F238E27FC236}">
+                <a16:creationId xmlns:a16="http://schemas.microsoft.com/office/drawing/2014/main" id="{80FCEC85-B5BD-494C-A543-941ABA862953}"/>
+              </a:ext>
+            </a:extLst>
+          </p:cNvPr>
+          <p:cNvSpPr>
+            <a:spLocks noGrp="1"/>
+          </p:cNvSpPr>
+          <p:nvPr>
+            <p:ph type="title"/>
+          </p:nvPr>
+        </p:nvSpPr>
+        <p:spPr/>
+        <p:txBody>
+          <a:bodyPr/>
+          <a:lstStyle/>
+          <a:p>
+            <a:r>
+              <a:rPr lang="en-GB" dirty="0"/>
+              <a:t>Aim of this session</a:t>
+            </a:r>
+          </a:p>
+        </p:txBody>
+      </p:sp>
+      <p:sp>
+        <p:nvSpPr>
+          <p:cNvPr id="3" name="Content Placeholder 2">
+            <a:extLst>
+              <a:ext uri="{FF2B5EF4-FFF2-40B4-BE49-F238E27FC236}">
+                <a16:creationId xmlns:a16="http://schemas.microsoft.com/office/drawing/2014/main" id="{ED812CB1-E48E-4FDE-A018-BF78B07CC451}"/>
+              </a:ext>
+            </a:extLst>
+          </p:cNvPr>
+          <p:cNvSpPr>
+            <a:spLocks noGrp="1"/>
+          </p:cNvSpPr>
+          <p:nvPr>
+            <p:ph idx="1"/>
+          </p:nvPr>
+        </p:nvSpPr>
+        <p:spPr/>
+        <p:txBody>
+          <a:bodyPr/>
+          <a:lstStyle/>
+          <a:p>
+            <a:r>
+              <a:rPr lang="en-GB" dirty="0"/>
+              <a:t>Introduce the concept of JSON</a:t>
+            </a:r>
+          </a:p>
+          <a:p>
+            <a:r>
+              <a:rPr lang="en-GB" dirty="0"/>
+              <a:t>Explore uses of JSON in development</a:t>
+            </a:r>
+          </a:p>
+          <a:p>
+            <a:r>
+              <a:rPr lang="en-GB" dirty="0"/>
+              <a:t>Look at some basic parsing &amp; interrogation</a:t>
+            </a:r>
+          </a:p>
+          <a:p>
+            <a:r>
+              <a:rPr lang="en-GB" dirty="0"/>
+              <a:t>Consider more sophisticated parsing tools</a:t>
+            </a:r>
+          </a:p>
+          <a:p>
+            <a:endParaRPr lang="en-GB" dirty="0"/>
+          </a:p>
+          <a:p>
+            <a:r>
+              <a:rPr lang="en-GB" dirty="0"/>
+              <a:t>What you will see today are MINIMAL examples</a:t>
+            </a:r>
+          </a:p>
+          <a:p>
+            <a:r>
+              <a:rPr lang="en-GB" dirty="0"/>
+              <a:t>Just enough to get something up and running</a:t>
+            </a:r>
+          </a:p>
+          <a:p>
+            <a:r>
+              <a:rPr lang="en-GB" dirty="0"/>
+              <a:t>You’ll probably want to extend &amp; improve them !</a:t>
+            </a:r>
+          </a:p>
+        </p:txBody>
+      </p:sp>
+    </p:spTree>
+    <p:extLst>
+      <p:ext uri="{BB962C8B-B14F-4D97-AF65-F5344CB8AC3E}">
+        <p14:creationId xmlns:p14="http://schemas.microsoft.com/office/powerpoint/2010/main" val="2424281466"/>
+      </p:ext>
+    </p:extLst>
+  </p:cSld>
+  <p:clrMapOvr>
+    <a:masterClrMapping/>
+  </p:clrMapOvr>
+</p:sld>
+</file>
+
+<file path=ppt/slides/slide20.xml><?xml version="1.0" encoding="utf-8"?>
 <p:sld xmlns:a="http://schemas.openxmlformats.org/drawingml/2006/main" xmlns:r="http://schemas.openxmlformats.org/officeDocument/2006/relationships" xmlns:p="http://schemas.openxmlformats.org/presentationml/2006/main">
   <p:cSld>
     <p:spTree>
@@ -9192,7 +8886,7 @@
 </p:sld>
 </file>
 
-<file path=ppt/slides/slide22.xml><?xml version="1.0" encoding="utf-8"?>
+<file path=ppt/slides/slide21.xml><?xml version="1.0" encoding="utf-8"?>
 <p:sld xmlns:a="http://schemas.openxmlformats.org/drawingml/2006/main" xmlns:r="http://schemas.openxmlformats.org/officeDocument/2006/relationships" xmlns:p="http://schemas.openxmlformats.org/presentationml/2006/main">
   <p:cSld>
     <p:spTree>
@@ -9490,7 +9184,7 @@
 </p:sld>
 </file>
 
-<file path=ppt/slides/slide23.xml><?xml version="1.0" encoding="utf-8"?>
+<file path=ppt/slides/slide22.xml><?xml version="1.0" encoding="utf-8"?>
 <p:sld xmlns:a="http://schemas.openxmlformats.org/drawingml/2006/main" xmlns:r="http://schemas.openxmlformats.org/officeDocument/2006/relationships" xmlns:p="http://schemas.openxmlformats.org/presentationml/2006/main">
   <p:cSld>
     <p:spTree>
@@ -9848,7 +9542,7 @@
 </p:sld>
 </file>
 
-<file path=ppt/slides/slide24.xml><?xml version="1.0" encoding="utf-8"?>
+<file path=ppt/slides/slide23.xml><?xml version="1.0" encoding="utf-8"?>
 <p:sld xmlns:a="http://schemas.openxmlformats.org/drawingml/2006/main" xmlns:r="http://schemas.openxmlformats.org/officeDocument/2006/relationships" xmlns:p="http://schemas.openxmlformats.org/presentationml/2006/main">
   <p:cSld>
     <p:spTree>
@@ -10261,6 +9955,137 @@
 </p:sld>
 </file>
 
+<file path=ppt/slides/slide24.xml><?xml version="1.0" encoding="utf-8"?>
+<p:sld xmlns:a="http://schemas.openxmlformats.org/drawingml/2006/main" xmlns:r="http://schemas.openxmlformats.org/officeDocument/2006/relationships" xmlns:p="http://schemas.openxmlformats.org/presentationml/2006/main">
+  <p:cSld>
+    <p:spTree>
+      <p:nvGrpSpPr>
+        <p:cNvPr id="1" name=""/>
+        <p:cNvGrpSpPr/>
+        <p:nvPr/>
+      </p:nvGrpSpPr>
+      <p:grpSpPr>
+        <a:xfrm>
+          <a:off x="0" y="0"/>
+          <a:ext cx="0" cy="0"/>
+          <a:chOff x="0" y="0"/>
+          <a:chExt cx="0" cy="0"/>
+        </a:xfrm>
+      </p:grpSpPr>
+      <p:sp>
+        <p:nvSpPr>
+          <p:cNvPr id="2" name="Title 1">
+            <a:extLst>
+              <a:ext uri="{FF2B5EF4-FFF2-40B4-BE49-F238E27FC236}">
+                <a16:creationId xmlns:a16="http://schemas.microsoft.com/office/drawing/2014/main" id="{92B44354-3765-4CB0-AC90-93B324034763}"/>
+              </a:ext>
+            </a:extLst>
+          </p:cNvPr>
+          <p:cNvSpPr>
+            <a:spLocks noGrp="1"/>
+          </p:cNvSpPr>
+          <p:nvPr>
+            <p:ph type="title"/>
+          </p:nvPr>
+        </p:nvSpPr>
+        <p:spPr/>
+        <p:txBody>
+          <a:bodyPr/>
+          <a:lstStyle/>
+          <a:p>
+            <a:r>
+              <a:rPr lang="en-GB" dirty="0"/>
+              <a:t>Next week on “SPE”</a:t>
+            </a:r>
+          </a:p>
+        </p:txBody>
+      </p:sp>
+      <p:sp>
+        <p:nvSpPr>
+          <p:cNvPr id="3" name="Content Placeholder 2">
+            <a:extLst>
+              <a:ext uri="{FF2B5EF4-FFF2-40B4-BE49-F238E27FC236}">
+                <a16:creationId xmlns:a16="http://schemas.microsoft.com/office/drawing/2014/main" id="{6747B7BE-1675-4A2B-8A8C-DF7CB2EC55ED}"/>
+              </a:ext>
+            </a:extLst>
+          </p:cNvPr>
+          <p:cNvSpPr>
+            <a:spLocks noGrp="1"/>
+          </p:cNvSpPr>
+          <p:nvPr>
+            <p:ph idx="1"/>
+          </p:nvPr>
+        </p:nvSpPr>
+        <p:spPr/>
+        <p:txBody>
+          <a:bodyPr/>
+          <a:lstStyle/>
+          <a:p>
+            <a:r>
+              <a:rPr lang="en-GB" dirty="0"/>
+              <a:t>Generating JSON</a:t>
+            </a:r>
+          </a:p>
+          <a:p>
+            <a:pPr marL="0" indent="0">
+              <a:buNone/>
+            </a:pPr>
+            <a:r>
+              <a:rPr lang="en-GB" dirty="0"/>
+              <a:t>  (rather than just consuming it)</a:t>
+            </a:r>
+          </a:p>
+          <a:p>
+            <a:endParaRPr lang="en-GB" dirty="0"/>
+          </a:p>
+          <a:p>
+            <a:r>
+              <a:rPr lang="en-GB" dirty="0"/>
+              <a:t>More sophisticated parsers</a:t>
+            </a:r>
+          </a:p>
+          <a:p>
+            <a:pPr marL="0" indent="0">
+              <a:buNone/>
+            </a:pPr>
+            <a:r>
+              <a:rPr lang="en-GB" dirty="0"/>
+              <a:t>  (parsers do more, YOU do less)</a:t>
+            </a:r>
+          </a:p>
+          <a:p>
+            <a:endParaRPr lang="en-GB" dirty="0"/>
+          </a:p>
+          <a:p>
+            <a:r>
+              <a:rPr lang="en-GB" dirty="0"/>
+              <a:t>More efficient data transfer</a:t>
+            </a:r>
+          </a:p>
+          <a:p>
+            <a:pPr marL="0" indent="0">
+              <a:buNone/>
+            </a:pPr>
+            <a:r>
+              <a:rPr lang="en-GB" dirty="0"/>
+              <a:t>  (streamlining data transfer for speed-ups)</a:t>
+            </a:r>
+          </a:p>
+        </p:txBody>
+      </p:sp>
+    </p:spTree>
+    <p:extLst>
+      <p:ext uri="{BB962C8B-B14F-4D97-AF65-F5344CB8AC3E}">
+        <p14:creationId xmlns:p14="http://schemas.microsoft.com/office/powerpoint/2010/main" val="1948286078"/>
+      </p:ext>
+    </p:extLst>
+  </p:cSld>
+  <p:clrMapOvr>
+    <a:masterClrMapping/>
+  </p:clrMapOvr>
+</p:sld>
+</file>
+
 <file path=ppt/slides/slide3.xml><?xml version="1.0" encoding="utf-8"?>
 <p:sld xmlns:a="http://schemas.openxmlformats.org/drawingml/2006/main" xmlns:r="http://schemas.openxmlformats.org/officeDocument/2006/relationships" xmlns:p="http://schemas.openxmlformats.org/presentationml/2006/main">
   <p:cSld>
@@ -10564,8 +10389,8 @@
         </p:blipFill>
         <p:spPr bwMode="auto">
           <a:xfrm>
-            <a:off x="4413956" y="4001294"/>
-            <a:ext cx="4605866" cy="2756250"/>
+            <a:off x="4289778" y="4001294"/>
+            <a:ext cx="4730044" cy="2756250"/>
           </a:xfrm>
           <a:prstGeom prst="rect">
             <a:avLst/>
@@ -10668,7 +10493,16 @@
             </a:pPr>
             <a:r>
               <a:rPr lang="en-GB" dirty="0"/>
-              <a:t>JSON is used everywhere - in particular when transferring data between web services !</a:t>
+              <a:t>JSON is used everywhere</a:t>
+            </a:r>
+          </a:p>
+          <a:p>
+            <a:pPr marL="0" indent="0" algn="ctr">
+              <a:buNone/>
+            </a:pPr>
+            <a:r>
+              <a:rPr lang="en-GB" dirty="0"/>
+              <a:t>Particular for transferring data with web services !</a:t>
             </a:r>
           </a:p>
           <a:p>
@@ -11250,7 +11084,7 @@
           <a:p>
             <a:r>
               <a:rPr lang="en-GB" dirty="0"/>
-              <a:t>Parsing involves reading in the JSON text</a:t>
+              <a:t>Parsing involves reading in the JSON text…</a:t>
             </a:r>
           </a:p>
           <a:p>
@@ -11268,13 +11102,13 @@
           <a:p>
             <a:r>
               <a:rPr lang="en-GB" dirty="0"/>
-              <a:t>Various parsers are already available</a:t>
+              <a:t>Various parsers are already exist to do this for us</a:t>
             </a:r>
           </a:p>
           <a:p>
             <a:r>
               <a:rPr lang="en-GB" dirty="0"/>
-              <a:t>We will take a look at a couple of them</a:t>
+              <a:t>We will take a look at a couple of them shortly</a:t>
             </a:r>
           </a:p>
           <a:p>
@@ -11283,13 +11117,13 @@
           <a:p>
             <a:r>
               <a:rPr lang="en-GB" dirty="0"/>
-              <a:t>Parsing is not the end of the story though</a:t>
+              <a:t>Note: Parsing is not the end of the story though</a:t>
             </a:r>
           </a:p>
           <a:p>
             <a:r>
               <a:rPr lang="en-GB" dirty="0"/>
-              <a:t>We then have to interrogate the created objects to extract data that we need for our application</a:t>
+              <a:t>We have to interrogate the created objects to extract data that we need for our application</a:t>
             </a:r>
           </a:p>
           <a:p>

--- a/Lecture Slides/16 Spring JSON.pptx
+++ b/Lecture Slides/16 Spring JSON.pptx
@@ -5,10 +5,10 @@
     <p:sldMasterId id="2147483684" r:id="rId1"/>
   </p:sldMasterIdLst>
   <p:notesMasterIdLst>
-    <p:notesMasterId r:id="rId26"/>
+    <p:notesMasterId r:id="rId27"/>
   </p:notesMasterIdLst>
   <p:handoutMasterIdLst>
-    <p:handoutMasterId r:id="rId27"/>
+    <p:handoutMasterId r:id="rId28"/>
   </p:handoutMasterIdLst>
   <p:sldIdLst>
     <p:sldId id="256" r:id="rId2"/>
@@ -30,11 +30,12 @@
     <p:sldId id="276" r:id="rId18"/>
     <p:sldId id="291" r:id="rId19"/>
     <p:sldId id="283" r:id="rId20"/>
-    <p:sldId id="299" r:id="rId21"/>
-    <p:sldId id="265" r:id="rId22"/>
-    <p:sldId id="266" r:id="rId23"/>
-    <p:sldId id="300" r:id="rId24"/>
-    <p:sldId id="301" r:id="rId25"/>
+    <p:sldId id="302" r:id="rId21"/>
+    <p:sldId id="299" r:id="rId22"/>
+    <p:sldId id="265" r:id="rId23"/>
+    <p:sldId id="266" r:id="rId24"/>
+    <p:sldId id="300" r:id="rId25"/>
+    <p:sldId id="301" r:id="rId26"/>
   </p:sldIdLst>
   <p:sldSz cx="9144000" cy="6858000" type="screen4x3"/>
   <p:notesSz cx="6858000" cy="9144000"/>
@@ -4427,7 +4428,7 @@
           <a:p>
             <a:r>
               <a:rPr lang="en-GB" dirty="0"/>
-              <a:t>To provide entity and collection structures</a:t>
+              <a:t>They provide entity and collection structures</a:t>
             </a:r>
           </a:p>
           <a:p>
@@ -4855,7 +4856,7 @@
         <p:spPr>
           <a:xfrm>
             <a:off x="1796239" y="2380948"/>
-            <a:ext cx="5551520" cy="400110"/>
+            <a:ext cx="5694188" cy="707886"/>
           </a:xfrm>
           <a:prstGeom prst="rect">
             <a:avLst/>
@@ -4872,8 +4873,11 @@
               <a:rPr lang="en-GB" sz="2000" dirty="0">
                 <a:hlinkClick r:id="rId3"/>
               </a:rPr>
-              <a:t>http://127.0.0.1:8080/getProjectName?id=1</a:t>
-            </a:r>
+              <a:t>http://127.0.0.1:8080/getProjectName?id=14</a:t>
+            </a:r>
+            <a:endParaRPr lang="en-GB" sz="2000" dirty="0"/>
+          </a:p>
+          <a:p>
             <a:endParaRPr lang="en-GB" sz="2000" dirty="0"/>
           </a:p>
         </p:txBody>
@@ -4962,59 +4966,14 @@
                             </p:stCondLst>
                             <p:childTnLst>
                               <p:par>
-                                <p:cTn id="10" presetID="1" presetClass="entr" presetSubtype="0" fill="hold" grpId="0" nodeType="clickEffect">
-                                  <p:stCondLst>
-                                    <p:cond delay="0"/>
-                                  </p:stCondLst>
-                                  <p:childTnLst>
-                                    <p:set>
-                                      <p:cBhvr>
-                                        <p:cTn id="11" dur="1" fill="hold">
-                                          <p:stCondLst>
-                                            <p:cond delay="0"/>
-                                          </p:stCondLst>
-                                        </p:cTn>
-                                        <p:tgtEl>
-                                          <p:spTgt spid="3"/>
-                                        </p:tgtEl>
-                                        <p:attrNameLst>
-                                          <p:attrName>style.visibility</p:attrName>
-                                        </p:attrNameLst>
-                                      </p:cBhvr>
-                                      <p:to>
-                                        <p:strVal val="visible"/>
-                                      </p:to>
-                                    </p:set>
-                                  </p:childTnLst>
-                                </p:cTn>
-                              </p:par>
-                            </p:childTnLst>
-                          </p:cTn>
-                        </p:par>
-                      </p:childTnLst>
-                    </p:cTn>
-                  </p:par>
-                  <p:par>
-                    <p:cTn id="12" fill="hold">
-                      <p:stCondLst>
-                        <p:cond delay="indefinite"/>
-                      </p:stCondLst>
-                      <p:childTnLst>
-                        <p:par>
-                          <p:cTn id="13" fill="hold">
-                            <p:stCondLst>
-                              <p:cond delay="0"/>
-                            </p:stCondLst>
-                            <p:childTnLst>
-                              <p:par>
-                                <p:cTn id="14" presetID="10" presetClass="exit" presetSubtype="0" fill="hold" grpId="0" nodeType="clickEffect">
+                                <p:cTn id="10" presetID="10" presetClass="exit" presetSubtype="0" fill="hold" grpId="0" nodeType="clickEffect">
                                   <p:stCondLst>
                                     <p:cond delay="0"/>
                                   </p:stCondLst>
                                   <p:childTnLst>
                                     <p:animEffect transition="out" filter="fade">
                                       <p:cBhvr>
-                                        <p:cTn id="15" dur="500"/>
+                                        <p:cTn id="11" dur="500"/>
                                         <p:tgtEl>
                                           <p:spTgt spid="11"/>
                                         </p:tgtEl>
@@ -5022,7 +4981,7 @@
                                     </p:animEffect>
                                     <p:set>
                                       <p:cBhvr>
-                                        <p:cTn id="16" dur="1" fill="hold">
+                                        <p:cTn id="12" dur="1" fill="hold">
                                           <p:stCondLst>
                                             <p:cond delay="499"/>
                                           </p:stCondLst>
@@ -5048,26 +5007,26 @@
                     </p:cTn>
                   </p:par>
                   <p:par>
-                    <p:cTn id="17" fill="hold">
+                    <p:cTn id="13" fill="hold">
                       <p:stCondLst>
                         <p:cond delay="indefinite"/>
                       </p:stCondLst>
                       <p:childTnLst>
                         <p:par>
-                          <p:cTn id="18" fill="hold">
+                          <p:cTn id="14" fill="hold">
                             <p:stCondLst>
                               <p:cond delay="0"/>
                             </p:stCondLst>
                             <p:childTnLst>
                               <p:par>
-                                <p:cTn id="19" presetID="10" presetClass="exit" presetSubtype="0" fill="hold" grpId="0" nodeType="clickEffect">
+                                <p:cTn id="15" presetID="10" presetClass="exit" presetSubtype="0" fill="hold" grpId="0" nodeType="clickEffect">
                                   <p:stCondLst>
                                     <p:cond delay="0"/>
                                   </p:stCondLst>
                                   <p:childTnLst>
                                     <p:animEffect transition="out" filter="fade">
                                       <p:cBhvr>
-                                        <p:cTn id="20" dur="500"/>
+                                        <p:cTn id="16" dur="500"/>
                                         <p:tgtEl>
                                           <p:spTgt spid="12"/>
                                         </p:tgtEl>
@@ -5075,7 +5034,7 @@
                                     </p:animEffect>
                                     <p:set>
                                       <p:cBhvr>
-                                        <p:cTn id="21" dur="1" fill="hold">
+                                        <p:cTn id="17" dur="1" fill="hold">
                                           <p:stCondLst>
                                             <p:cond delay="499"/>
                                           </p:stCondLst>
@@ -5101,26 +5060,26 @@
                     </p:cTn>
                   </p:par>
                   <p:par>
-                    <p:cTn id="22" fill="hold">
+                    <p:cTn id="18" fill="hold">
                       <p:stCondLst>
                         <p:cond delay="indefinite"/>
                       </p:stCondLst>
                       <p:childTnLst>
                         <p:par>
-                          <p:cTn id="23" fill="hold">
+                          <p:cTn id="19" fill="hold">
                             <p:stCondLst>
                               <p:cond delay="0"/>
                             </p:stCondLst>
                             <p:childTnLst>
                               <p:par>
-                                <p:cTn id="24" presetID="10" presetClass="exit" presetSubtype="0" fill="hold" grpId="0" nodeType="clickEffect">
+                                <p:cTn id="20" presetID="10" presetClass="exit" presetSubtype="0" fill="hold" grpId="0" nodeType="clickEffect">
                                   <p:stCondLst>
                                     <p:cond delay="0"/>
                                   </p:stCondLst>
                                   <p:childTnLst>
                                     <p:animEffect transition="out" filter="fade">
                                       <p:cBhvr>
-                                        <p:cTn id="25" dur="500"/>
+                                        <p:cTn id="21" dur="500"/>
                                         <p:tgtEl>
                                           <p:spTgt spid="13"/>
                                         </p:tgtEl>
@@ -5128,7 +5087,7 @@
                                     </p:animEffect>
                                     <p:set>
                                       <p:cBhvr>
-                                        <p:cTn id="26" dur="1" fill="hold">
+                                        <p:cTn id="22" dur="1" fill="hold">
                                           <p:stCondLst>
                                             <p:cond delay="499"/>
                                           </p:stCondLst>
@@ -5179,7 +5138,6 @@
       <p:bldP spid="11" grpId="0" animBg="1"/>
       <p:bldP spid="12" grpId="0" animBg="1"/>
       <p:bldP spid="13" grpId="0" animBg="1"/>
-      <p:bldP spid="3" grpId="0"/>
     </p:bldLst>
   </p:timing>
 </p:sld>
@@ -5614,7 +5572,7 @@
           </p:nvSpPr>
           <p:spPr>
             <a:xfrm>
-              <a:off x="2099733" y="555805"/>
+              <a:off x="2088444" y="544516"/>
               <a:ext cx="316089" cy="234417"/>
             </a:xfrm>
             <a:prstGeom prst="rect">
@@ -6381,6 +6339,53 @@
           </a:p>
         </p:txBody>
       </p:sp>
+      <p:sp>
+        <p:nvSpPr>
+          <p:cNvPr id="32" name="Action Button: Go to Beginning 31">
+            <a:hlinkClick r:id="rId5" action="ppaction://hlinksldjump" highlightClick="1"/>
+            <a:extLst>
+              <a:ext uri="{FF2B5EF4-FFF2-40B4-BE49-F238E27FC236}">
+                <a16:creationId xmlns:a16="http://schemas.microsoft.com/office/drawing/2014/main" id="{73A8DBAB-DE97-4931-93B6-753D2F192373}"/>
+              </a:ext>
+            </a:extLst>
+          </p:cNvPr>
+          <p:cNvSpPr/>
+          <p:nvPr/>
+        </p:nvSpPr>
+        <p:spPr>
+          <a:xfrm rot="10800000">
+            <a:off x="8414948" y="6064650"/>
+            <a:ext cx="546522" cy="613506"/>
+          </a:xfrm>
+          <a:prstGeom prst="actionButtonBeginning">
+            <a:avLst/>
+          </a:prstGeom>
+        </p:spPr>
+        <p:style>
+          <a:lnRef idx="2">
+            <a:schemeClr val="accent1">
+              <a:shade val="50000"/>
+            </a:schemeClr>
+          </a:lnRef>
+          <a:fillRef idx="1">
+            <a:schemeClr val="accent1"/>
+          </a:fillRef>
+          <a:effectRef idx="0">
+            <a:schemeClr val="accent1"/>
+          </a:effectRef>
+          <a:fontRef idx="minor">
+            <a:schemeClr val="lt1"/>
+          </a:fontRef>
+        </p:style>
+        <p:txBody>
+          <a:bodyPr rtlCol="0" anchor="ctr"/>
+          <a:lstStyle/>
+          <a:p>
+            <a:pPr algn="ctr"/>
+            <a:endParaRPr lang="en-GB"/>
+          </a:p>
+        </p:txBody>
+      </p:sp>
     </p:spTree>
     <p:extLst>
       <p:ext uri="{BB962C8B-B14F-4D97-AF65-F5344CB8AC3E}">
@@ -6746,7 +6751,7 @@
         <p:spPr>
           <a:xfrm>
             <a:off x="1280072" y="1980962"/>
-            <a:ext cx="6583854" cy="400110"/>
+            <a:ext cx="6726521" cy="707886"/>
           </a:xfrm>
           <a:prstGeom prst="rect">
             <a:avLst/>
@@ -6763,8 +6768,11 @@
               <a:rPr lang="en-GB" sz="2000" dirty="0">
                 <a:hlinkClick r:id="rId3"/>
               </a:rPr>
-              <a:t>http://127.0.0.1:8080/howManyWorkPackages?id=1</a:t>
-            </a:r>
+              <a:t>http://127.0.0.1:8080/howManyWorkPackages?id=17</a:t>
+            </a:r>
+            <a:endParaRPr lang="en-GB" sz="2000" dirty="0"/>
+          </a:p>
+          <a:p>
             <a:endParaRPr lang="en-GB" sz="2000" dirty="0"/>
           </a:p>
         </p:txBody>
@@ -6957,59 +6965,14 @@
                             </p:stCondLst>
                             <p:childTnLst>
                               <p:par>
-                                <p:cTn id="10" presetID="1" presetClass="entr" presetSubtype="0" fill="hold" grpId="0" nodeType="clickEffect">
-                                  <p:stCondLst>
-                                    <p:cond delay="0"/>
-                                  </p:stCondLst>
-                                  <p:childTnLst>
-                                    <p:set>
-                                      <p:cBhvr>
-                                        <p:cTn id="11" dur="1" fill="hold">
-                                          <p:stCondLst>
-                                            <p:cond delay="0"/>
-                                          </p:stCondLst>
-                                        </p:cTn>
-                                        <p:tgtEl>
-                                          <p:spTgt spid="15"/>
-                                        </p:tgtEl>
-                                        <p:attrNameLst>
-                                          <p:attrName>style.visibility</p:attrName>
-                                        </p:attrNameLst>
-                                      </p:cBhvr>
-                                      <p:to>
-                                        <p:strVal val="visible"/>
-                                      </p:to>
-                                    </p:set>
-                                  </p:childTnLst>
-                                </p:cTn>
-                              </p:par>
-                            </p:childTnLst>
-                          </p:cTn>
-                        </p:par>
-                      </p:childTnLst>
-                    </p:cTn>
-                  </p:par>
-                  <p:par>
-                    <p:cTn id="12" fill="hold">
-                      <p:stCondLst>
-                        <p:cond delay="indefinite"/>
-                      </p:stCondLst>
-                      <p:childTnLst>
-                        <p:par>
-                          <p:cTn id="13" fill="hold">
-                            <p:stCondLst>
-                              <p:cond delay="0"/>
-                            </p:stCondLst>
-                            <p:childTnLst>
-                              <p:par>
-                                <p:cTn id="14" presetID="10" presetClass="exit" presetSubtype="0" fill="hold" grpId="0" nodeType="clickEffect">
+                                <p:cTn id="10" presetID="10" presetClass="exit" presetSubtype="0" fill="hold" grpId="0" nodeType="clickEffect">
                                   <p:stCondLst>
                                     <p:cond delay="0"/>
                                   </p:stCondLst>
                                   <p:childTnLst>
                                     <p:animEffect transition="out" filter="fade">
                                       <p:cBhvr>
-                                        <p:cTn id="15" dur="500"/>
+                                        <p:cTn id="11" dur="500"/>
                                         <p:tgtEl>
                                           <p:spTgt spid="12"/>
                                         </p:tgtEl>
@@ -7017,7 +6980,7 @@
                                     </p:animEffect>
                                     <p:set>
                                       <p:cBhvr>
-                                        <p:cTn id="16" dur="1" fill="hold">
+                                        <p:cTn id="12" dur="1" fill="hold">
                                           <p:stCondLst>
                                             <p:cond delay="499"/>
                                           </p:stCondLst>
@@ -7043,26 +7006,26 @@
                     </p:cTn>
                   </p:par>
                   <p:par>
-                    <p:cTn id="17" fill="hold">
+                    <p:cTn id="13" fill="hold">
                       <p:stCondLst>
                         <p:cond delay="indefinite"/>
                       </p:stCondLst>
                       <p:childTnLst>
                         <p:par>
-                          <p:cTn id="18" fill="hold">
+                          <p:cTn id="14" fill="hold">
                             <p:stCondLst>
                               <p:cond delay="0"/>
                             </p:stCondLst>
                             <p:childTnLst>
                               <p:par>
-                                <p:cTn id="19" presetID="10" presetClass="exit" presetSubtype="0" fill="hold" grpId="0" nodeType="clickEffect">
+                                <p:cTn id="15" presetID="10" presetClass="exit" presetSubtype="0" fill="hold" grpId="0" nodeType="clickEffect">
                                   <p:stCondLst>
                                     <p:cond delay="0"/>
                                   </p:stCondLst>
                                   <p:childTnLst>
                                     <p:animEffect transition="out" filter="fade">
                                       <p:cBhvr>
-                                        <p:cTn id="20" dur="500"/>
+                                        <p:cTn id="16" dur="500"/>
                                         <p:tgtEl>
                                           <p:spTgt spid="13"/>
                                         </p:tgtEl>
@@ -7070,7 +7033,7 @@
                                     </p:animEffect>
                                     <p:set>
                                       <p:cBhvr>
-                                        <p:cTn id="21" dur="1" fill="hold">
+                                        <p:cTn id="17" dur="1" fill="hold">
                                           <p:stCondLst>
                                             <p:cond delay="499"/>
                                           </p:stCondLst>
@@ -7096,26 +7059,26 @@
                     </p:cTn>
                   </p:par>
                   <p:par>
-                    <p:cTn id="22" fill="hold">
+                    <p:cTn id="18" fill="hold">
                       <p:stCondLst>
                         <p:cond delay="indefinite"/>
                       </p:stCondLst>
                       <p:childTnLst>
                         <p:par>
-                          <p:cTn id="23" fill="hold">
+                          <p:cTn id="19" fill="hold">
                             <p:stCondLst>
                               <p:cond delay="0"/>
                             </p:stCondLst>
                             <p:childTnLst>
                               <p:par>
-                                <p:cTn id="24" presetID="10" presetClass="exit" presetSubtype="0" fill="hold" grpId="0" nodeType="clickEffect">
+                                <p:cTn id="20" presetID="10" presetClass="exit" presetSubtype="0" fill="hold" grpId="0" nodeType="clickEffect">
                                   <p:stCondLst>
                                     <p:cond delay="0"/>
                                   </p:stCondLst>
                                   <p:childTnLst>
                                     <p:animEffect transition="out" filter="fade">
                                       <p:cBhvr>
-                                        <p:cTn id="25" dur="500"/>
+                                        <p:cTn id="21" dur="500"/>
                                         <p:tgtEl>
                                           <p:spTgt spid="14"/>
                                         </p:tgtEl>
@@ -7123,7 +7086,7 @@
                                     </p:animEffect>
                                     <p:set>
                                       <p:cBhvr>
-                                        <p:cTn id="26" dur="1" fill="hold">
+                                        <p:cTn id="22" dur="1" fill="hold">
                                           <p:stCondLst>
                                             <p:cond delay="499"/>
                                           </p:stCondLst>
@@ -7149,26 +7112,26 @@
                     </p:cTn>
                   </p:par>
                   <p:par>
-                    <p:cTn id="27" fill="hold">
+                    <p:cTn id="23" fill="hold">
                       <p:stCondLst>
                         <p:cond delay="indefinite"/>
                       </p:stCondLst>
                       <p:childTnLst>
                         <p:par>
-                          <p:cTn id="28" fill="hold">
+                          <p:cTn id="24" fill="hold">
                             <p:stCondLst>
                               <p:cond delay="0"/>
                             </p:stCondLst>
                             <p:childTnLst>
                               <p:par>
-                                <p:cTn id="29" presetID="10" presetClass="exit" presetSubtype="0" fill="hold" grpId="0" nodeType="clickEffect">
+                                <p:cTn id="25" presetID="10" presetClass="exit" presetSubtype="0" fill="hold" grpId="0" nodeType="clickEffect">
                                   <p:stCondLst>
                                     <p:cond delay="0"/>
                                   </p:stCondLst>
                                   <p:childTnLst>
                                     <p:animEffect transition="out" filter="fade">
                                       <p:cBhvr>
-                                        <p:cTn id="30" dur="500"/>
+                                        <p:cTn id="26" dur="500"/>
                                         <p:tgtEl>
                                           <p:spTgt spid="16"/>
                                         </p:tgtEl>
@@ -7176,7 +7139,7 @@
                                     </p:animEffect>
                                     <p:set>
                                       <p:cBhvr>
-                                        <p:cTn id="31" dur="1" fill="hold">
+                                        <p:cTn id="27" dur="1" fill="hold">
                                           <p:stCondLst>
                                             <p:cond delay="499"/>
                                           </p:stCondLst>
@@ -7202,26 +7165,26 @@
                     </p:cTn>
                   </p:par>
                   <p:par>
-                    <p:cTn id="32" fill="hold">
+                    <p:cTn id="28" fill="hold">
                       <p:stCondLst>
                         <p:cond delay="indefinite"/>
                       </p:stCondLst>
                       <p:childTnLst>
                         <p:par>
-                          <p:cTn id="33" fill="hold">
+                          <p:cTn id="29" fill="hold">
                             <p:stCondLst>
                               <p:cond delay="0"/>
                             </p:stCondLst>
                             <p:childTnLst>
                               <p:par>
-                                <p:cTn id="34" presetID="2" presetClass="entr" presetSubtype="2" fill="hold" grpId="0" nodeType="clickEffect">
+                                <p:cTn id="30" presetID="2" presetClass="entr" presetSubtype="2" fill="hold" grpId="0" nodeType="clickEffect">
                                   <p:stCondLst>
                                     <p:cond delay="0"/>
                                   </p:stCondLst>
                                   <p:childTnLst>
                                     <p:set>
                                       <p:cBhvr>
-                                        <p:cTn id="35" dur="1" fill="hold">
+                                        <p:cTn id="31" dur="1" fill="hold">
                                           <p:stCondLst>
                                             <p:cond delay="0"/>
                                           </p:stCondLst>
@@ -7239,7 +7202,7 @@
                                     </p:set>
                                     <p:anim calcmode="lin" valueType="num">
                                       <p:cBhvr additive="base">
-                                        <p:cTn id="36" dur="500" fill="hold"/>
+                                        <p:cTn id="32" dur="500" fill="hold"/>
                                         <p:tgtEl>
                                           <p:spTgt spid="17"/>
                                         </p:tgtEl>
@@ -7262,7 +7225,7 @@
                                     </p:anim>
                                     <p:anim calcmode="lin" valueType="num">
                                       <p:cBhvr additive="base">
-                                        <p:cTn id="37" dur="500" fill="hold"/>
+                                        <p:cTn id="33" dur="500" fill="hold"/>
                                         <p:tgtEl>
                                           <p:spTgt spid="17"/>
                                         </p:tgtEl>
@@ -7318,7 +7281,6 @@
       <p:bldP spid="12" grpId="0" animBg="1"/>
       <p:bldP spid="13" grpId="0" animBg="1"/>
       <p:bldP spid="14" grpId="0" animBg="1"/>
-      <p:bldP spid="15" grpId="0"/>
       <p:bldP spid="16" grpId="0" animBg="1"/>
       <p:bldP spid="17" grpId="0" animBg="1"/>
     </p:bldLst>
@@ -8144,6 +8106,53 @@
           </a:p>
         </p:txBody>
       </p:sp>
+      <p:sp>
+        <p:nvSpPr>
+          <p:cNvPr id="3" name="Action Button: Go to Beginning 2">
+            <a:hlinkClick r:id="rId3" action="ppaction://hlinksldjump" highlightClick="1"/>
+            <a:extLst>
+              <a:ext uri="{FF2B5EF4-FFF2-40B4-BE49-F238E27FC236}">
+                <a16:creationId xmlns:a16="http://schemas.microsoft.com/office/drawing/2014/main" id="{B6C0235C-B2B3-46CA-AA65-8E91D5B22A4B}"/>
+              </a:ext>
+            </a:extLst>
+          </p:cNvPr>
+          <p:cNvSpPr/>
+          <p:nvPr/>
+        </p:nvSpPr>
+        <p:spPr>
+          <a:xfrm>
+            <a:off x="7921132" y="4317019"/>
+            <a:ext cx="546522" cy="613506"/>
+          </a:xfrm>
+          <a:prstGeom prst="actionButtonBeginning">
+            <a:avLst/>
+          </a:prstGeom>
+        </p:spPr>
+        <p:style>
+          <a:lnRef idx="2">
+            <a:schemeClr val="accent1">
+              <a:shade val="50000"/>
+            </a:schemeClr>
+          </a:lnRef>
+          <a:fillRef idx="1">
+            <a:schemeClr val="accent1"/>
+          </a:fillRef>
+          <a:effectRef idx="0">
+            <a:schemeClr val="accent1"/>
+          </a:effectRef>
+          <a:fontRef idx="minor">
+            <a:schemeClr val="lt1"/>
+          </a:fontRef>
+        </p:style>
+        <p:txBody>
+          <a:bodyPr rtlCol="0" anchor="ctr"/>
+          <a:lstStyle/>
+          <a:p>
+            <a:pPr algn="ctr"/>
+            <a:endParaRPr lang="en-GB"/>
+          </a:p>
+        </p:txBody>
+      </p:sp>
     </p:spTree>
     <p:extLst>
       <p:ext uri="{BB962C8B-B14F-4D97-AF65-F5344CB8AC3E}">
@@ -8368,6 +8377,33 @@
                                   </p:childTnLst>
                                 </p:cTn>
                               </p:par>
+                              <p:par>
+                                <p:cTn id="23" presetID="1" presetClass="entr" presetSubtype="0" fill="hold" grpId="0" nodeType="withEffect">
+                                  <p:stCondLst>
+                                    <p:cond delay="0"/>
+                                  </p:stCondLst>
+                                  <p:childTnLst>
+                                    <p:set>
+                                      <p:cBhvr>
+                                        <p:cTn id="24" dur="1" fill="hold">
+                                          <p:stCondLst>
+                                            <p:cond delay="0"/>
+                                          </p:stCondLst>
+                                        </p:cTn>
+                                        <p:tgtEl>
+                                          <p:spTgt spid="3"/>
+                                        </p:tgtEl>
+                                        <p:attrNameLst>
+                                          <p:attrName>style.visibility</p:attrName>
+                                        </p:attrNameLst>
+                                      </p:cBhvr>
+                                      <p:to>
+                                        <p:strVal val="visible"/>
+                                      </p:to>
+                                    </p:set>
+                                  </p:childTnLst>
+                                </p:cTn>
+                              </p:par>
                             </p:childTnLst>
                           </p:cTn>
                         </p:par>
@@ -8375,26 +8411,26 @@
                     </p:cTn>
                   </p:par>
                   <p:par>
-                    <p:cTn id="23" fill="hold">
+                    <p:cTn id="25" fill="hold">
                       <p:stCondLst>
                         <p:cond delay="indefinite"/>
                       </p:stCondLst>
                       <p:childTnLst>
                         <p:par>
-                          <p:cTn id="24" fill="hold">
+                          <p:cTn id="26" fill="hold">
                             <p:stCondLst>
                               <p:cond delay="0"/>
                             </p:stCondLst>
                             <p:childTnLst>
                               <p:par>
-                                <p:cTn id="25" presetID="10" presetClass="exit" presetSubtype="0" fill="hold" grpId="0" nodeType="clickEffect">
+                                <p:cTn id="27" presetID="10" presetClass="exit" presetSubtype="0" fill="hold" grpId="0" nodeType="clickEffect">
                                   <p:stCondLst>
                                     <p:cond delay="0"/>
                                   </p:stCondLst>
                                   <p:childTnLst>
                                     <p:animEffect transition="out" filter="fade">
                                       <p:cBhvr>
-                                        <p:cTn id="26" dur="500"/>
+                                        <p:cTn id="28" dur="500"/>
                                         <p:tgtEl>
                                           <p:spTgt spid="13"/>
                                         </p:tgtEl>
@@ -8402,7 +8438,7 @@
                                     </p:animEffect>
                                     <p:set>
                                       <p:cBhvr>
-                                        <p:cTn id="27" dur="1" fill="hold">
+                                        <p:cTn id="29" dur="1" fill="hold">
                                           <p:stCondLst>
                                             <p:cond delay="499"/>
                                           </p:stCondLst>
@@ -8428,26 +8464,26 @@
                     </p:cTn>
                   </p:par>
                   <p:par>
-                    <p:cTn id="28" fill="hold">
+                    <p:cTn id="30" fill="hold">
                       <p:stCondLst>
                         <p:cond delay="indefinite"/>
                       </p:stCondLst>
                       <p:childTnLst>
                         <p:par>
-                          <p:cTn id="29" fill="hold">
+                          <p:cTn id="31" fill="hold">
                             <p:stCondLst>
                               <p:cond delay="0"/>
                             </p:stCondLst>
                             <p:childTnLst>
                               <p:par>
-                                <p:cTn id="30" presetID="10" presetClass="exit" presetSubtype="0" fill="hold" grpId="0" nodeType="clickEffect">
+                                <p:cTn id="32" presetID="10" presetClass="exit" presetSubtype="0" fill="hold" grpId="0" nodeType="clickEffect">
                                   <p:stCondLst>
                                     <p:cond delay="0"/>
                                   </p:stCondLst>
                                   <p:childTnLst>
                                     <p:animEffect transition="out" filter="fade">
                                       <p:cBhvr>
-                                        <p:cTn id="31" dur="500"/>
+                                        <p:cTn id="33" dur="500"/>
                                         <p:tgtEl>
                                           <p:spTgt spid="14"/>
                                         </p:tgtEl>
@@ -8455,7 +8491,7 @@
                                     </p:animEffect>
                                     <p:set>
                                       <p:cBhvr>
-                                        <p:cTn id="32" dur="1" fill="hold">
+                                        <p:cTn id="34" dur="1" fill="hold">
                                           <p:stCondLst>
                                             <p:cond delay="499"/>
                                           </p:stCondLst>
@@ -8481,26 +8517,26 @@
                     </p:cTn>
                   </p:par>
                   <p:par>
-                    <p:cTn id="33" fill="hold">
+                    <p:cTn id="35" fill="hold">
                       <p:stCondLst>
                         <p:cond delay="indefinite"/>
                       </p:stCondLst>
                       <p:childTnLst>
                         <p:par>
-                          <p:cTn id="34" fill="hold">
+                          <p:cTn id="36" fill="hold">
                             <p:stCondLst>
                               <p:cond delay="0"/>
                             </p:stCondLst>
                             <p:childTnLst>
                               <p:par>
-                                <p:cTn id="35" presetID="10" presetClass="exit" presetSubtype="0" fill="hold" grpId="0" nodeType="clickEffect">
+                                <p:cTn id="37" presetID="10" presetClass="exit" presetSubtype="0" fill="hold" grpId="0" nodeType="clickEffect">
                                   <p:stCondLst>
                                     <p:cond delay="0"/>
                                   </p:stCondLst>
                                   <p:childTnLst>
                                     <p:animEffect transition="out" filter="fade">
                                       <p:cBhvr>
-                                        <p:cTn id="36" dur="500"/>
+                                        <p:cTn id="38" dur="500"/>
                                         <p:tgtEl>
                                           <p:spTgt spid="16"/>
                                         </p:tgtEl>
@@ -8508,7 +8544,7 @@
                                     </p:animEffect>
                                     <p:set>
                                       <p:cBhvr>
-                                        <p:cTn id="37" dur="1" fill="hold">
+                                        <p:cTn id="39" dur="1" fill="hold">
                                           <p:stCondLst>
                                             <p:cond delay="499"/>
                                           </p:stCondLst>
@@ -8562,6 +8598,7 @@
       <p:bldP spid="16" grpId="0" animBg="1"/>
       <p:bldP spid="17" grpId="0" animBg="1"/>
       <p:bldP spid="18" grpId="0" animBg="1"/>
+      <p:bldP spid="3" grpId="0" animBg="1"/>
     </p:bldLst>
   </p:timing>
 </p:sld>
@@ -8693,6 +8730,74 @@
 </file>
 
 <file path=ppt/slides/slide20.xml><?xml version="1.0" encoding="utf-8"?>
+<p:sld xmlns:a="http://schemas.openxmlformats.org/drawingml/2006/main" xmlns:r="http://schemas.openxmlformats.org/officeDocument/2006/relationships" xmlns:p="http://schemas.openxmlformats.org/presentationml/2006/main">
+  <p:cSld>
+    <p:spTree>
+      <p:nvGrpSpPr>
+        <p:cNvPr id="1" name=""/>
+        <p:cNvGrpSpPr/>
+        <p:nvPr/>
+      </p:nvGrpSpPr>
+      <p:grpSpPr>
+        <a:xfrm>
+          <a:off x="0" y="0"/>
+          <a:ext cx="0" cy="0"/>
+          <a:chOff x="0" y="0"/>
+          <a:chExt cx="0" cy="0"/>
+        </a:xfrm>
+      </p:grpSpPr>
+      <p:sp>
+        <p:nvSpPr>
+          <p:cNvPr id="4" name="Title 3">
+            <a:extLst>
+              <a:ext uri="{FF2B5EF4-FFF2-40B4-BE49-F238E27FC236}">
+                <a16:creationId xmlns:a16="http://schemas.microsoft.com/office/drawing/2014/main" id="{96BA8650-1B09-431A-AD98-A4A7110CA61C}"/>
+              </a:ext>
+            </a:extLst>
+          </p:cNvPr>
+          <p:cNvSpPr>
+            <a:spLocks noGrp="1"/>
+          </p:cNvSpPr>
+          <p:nvPr>
+            <p:ph type="title"/>
+          </p:nvPr>
+        </p:nvSpPr>
+        <p:spPr/>
+        <p:txBody>
+          <a:bodyPr>
+            <a:normAutofit/>
+          </a:bodyPr>
+          <a:lstStyle/>
+          <a:p>
+            <a:pPr algn="ctr"/>
+            <a:r>
+              <a:rPr lang="en-GB" sz="3800" dirty="0"/>
+              <a:t>Anything we haven’t covered ?</a:t>
+            </a:r>
+            <a:br>
+              <a:rPr lang="en-GB" sz="3800" dirty="0"/>
+            </a:br>
+            <a:br>
+              <a:rPr lang="en-GB" sz="3800" dirty="0"/>
+            </a:br>
+            <a:endParaRPr lang="en-GB" sz="3800" dirty="0"/>
+          </a:p>
+        </p:txBody>
+      </p:sp>
+    </p:spTree>
+    <p:extLst>
+      <p:ext uri="{BB962C8B-B14F-4D97-AF65-F5344CB8AC3E}">
+        <p14:creationId xmlns:p14="http://schemas.microsoft.com/office/powerpoint/2010/main" val="1943956064"/>
+      </p:ext>
+    </p:extLst>
+  </p:cSld>
+  <p:clrMapOvr>
+    <a:masterClrMapping/>
+  </p:clrMapOvr>
+</p:sld>
+</file>
+
+<file path=ppt/slides/slide21.xml><?xml version="1.0" encoding="utf-8"?>
 <p:sld xmlns:a="http://schemas.openxmlformats.org/drawingml/2006/main" xmlns:r="http://schemas.openxmlformats.org/officeDocument/2006/relationships" xmlns:p="http://schemas.openxmlformats.org/presentationml/2006/main">
   <p:cSld>
     <p:spTree>
@@ -8786,7 +8891,7 @@
           <a:p>
             <a:r>
               <a:rPr lang="en-GB" dirty="0"/>
-              <a:t>Simon’s magic utility method</a:t>
+              <a:t>Simon’s magic utility method !</a:t>
             </a:r>
           </a:p>
         </p:txBody>
@@ -8886,7 +8991,7 @@
 </p:sld>
 </file>
 
-<file path=ppt/slides/slide21.xml><?xml version="1.0" encoding="utf-8"?>
+<file path=ppt/slides/slide22.xml><?xml version="1.0" encoding="utf-8"?>
 <p:sld xmlns:a="http://schemas.openxmlformats.org/drawingml/2006/main" xmlns:r="http://schemas.openxmlformats.org/officeDocument/2006/relationships" xmlns:p="http://schemas.openxmlformats.org/presentationml/2006/main">
   <p:cSld>
     <p:spTree>
@@ -9171,6 +9276,41 @@
           </a:p>
         </p:txBody>
       </p:sp>
+      <p:sp>
+        <p:nvSpPr>
+          <p:cNvPr id="9" name="TextBox 8">
+            <a:extLst>
+              <a:ext uri="{FF2B5EF4-FFF2-40B4-BE49-F238E27FC236}">
+                <a16:creationId xmlns:a16="http://schemas.microsoft.com/office/drawing/2014/main" id="{08872EA2-8631-4D28-9503-39A268B4D654}"/>
+              </a:ext>
+            </a:extLst>
+          </p:cNvPr>
+          <p:cNvSpPr txBox="1"/>
+          <p:nvPr/>
+        </p:nvSpPr>
+        <p:spPr>
+          <a:xfrm>
+            <a:off x="1621842" y="1834852"/>
+            <a:ext cx="6429965" cy="430887"/>
+          </a:xfrm>
+          <a:prstGeom prst="rect">
+            <a:avLst/>
+          </a:prstGeom>
+          <a:noFill/>
+        </p:spPr>
+        <p:txBody>
+          <a:bodyPr wrap="none" rtlCol="0">
+            <a:spAutoFit/>
+          </a:bodyPr>
+          <a:lstStyle/>
+          <a:p>
+            <a:r>
+              <a:rPr lang="en-GB" sz="2200" dirty="0"/>
+              <a:t>https://opserver/projects/{id}/work_packages</a:t>
+            </a:r>
+          </a:p>
+        </p:txBody>
+      </p:sp>
     </p:spTree>
     <p:extLst>
       <p:ext uri="{BB962C8B-B14F-4D97-AF65-F5344CB8AC3E}">
@@ -9184,7 +9324,7 @@
 </p:sld>
 </file>
 
-<file path=ppt/slides/slide22.xml><?xml version="1.0" encoding="utf-8"?>
+<file path=ppt/slides/slide23.xml><?xml version="1.0" encoding="utf-8"?>
 <p:sld xmlns:a="http://schemas.openxmlformats.org/drawingml/2006/main" xmlns:r="http://schemas.openxmlformats.org/officeDocument/2006/relationships" xmlns:p="http://schemas.openxmlformats.org/presentationml/2006/main">
   <p:cSld>
     <p:spTree>
@@ -9542,7 +9682,7 @@
 </p:sld>
 </file>
 
-<file path=ppt/slides/slide23.xml><?xml version="1.0" encoding="utf-8"?>
+<file path=ppt/slides/slide24.xml><?xml version="1.0" encoding="utf-8"?>
 <p:sld xmlns:a="http://schemas.openxmlformats.org/drawingml/2006/main" xmlns:r="http://schemas.openxmlformats.org/officeDocument/2006/relationships" xmlns:p="http://schemas.openxmlformats.org/presentationml/2006/main">
   <p:cSld>
     <p:spTree>
@@ -9663,7 +9803,7 @@
         </p:nvSpPr>
         <p:spPr>
           <a:xfrm>
-            <a:off x="26552" y="2987412"/>
+            <a:off x="13030" y="2987569"/>
             <a:ext cx="9144000" cy="478278"/>
           </a:xfrm>
           <a:prstGeom prst="rect">
@@ -9715,7 +9855,7 @@
         </p:nvSpPr>
         <p:spPr>
           <a:xfrm>
-            <a:off x="26552" y="4181961"/>
+            <a:off x="13030" y="4182118"/>
             <a:ext cx="9144000" cy="209418"/>
           </a:xfrm>
           <a:prstGeom prst="rect">
@@ -9753,58 +9893,6 @@
           </a:p>
         </p:txBody>
       </p:sp>
-      <p:sp>
-        <p:nvSpPr>
-          <p:cNvPr id="8" name="Rectangle 7">
-            <a:extLst>
-              <a:ext uri="{FF2B5EF4-FFF2-40B4-BE49-F238E27FC236}">
-                <a16:creationId xmlns:a16="http://schemas.microsoft.com/office/drawing/2014/main" id="{7C2A4E67-FD98-4E28-9949-E7166704987C}"/>
-              </a:ext>
-            </a:extLst>
-          </p:cNvPr>
-          <p:cNvSpPr/>
-          <p:nvPr/>
-        </p:nvSpPr>
-        <p:spPr>
-          <a:xfrm>
-            <a:off x="0" y="5316495"/>
-            <a:ext cx="9144000" cy="209418"/>
-          </a:xfrm>
-          <a:prstGeom prst="rect">
-            <a:avLst/>
-          </a:prstGeom>
-          <a:solidFill>
-            <a:srgbClr val="F8F8F8"/>
-          </a:solidFill>
-          <a:ln>
-            <a:noFill/>
-          </a:ln>
-        </p:spPr>
-        <p:style>
-          <a:lnRef idx="2">
-            <a:schemeClr val="accent1">
-              <a:shade val="50000"/>
-            </a:schemeClr>
-          </a:lnRef>
-          <a:fillRef idx="1">
-            <a:schemeClr val="accent1"/>
-          </a:fillRef>
-          <a:effectRef idx="0">
-            <a:schemeClr val="accent1"/>
-          </a:effectRef>
-          <a:fontRef idx="minor">
-            <a:schemeClr val="lt1"/>
-          </a:fontRef>
-        </p:style>
-        <p:txBody>
-          <a:bodyPr rtlCol="0" anchor="ctr"/>
-          <a:lstStyle/>
-          <a:p>
-            <a:pPr algn="ctr"/>
-            <a:endParaRPr lang="en-GB"/>
-          </a:p>
-        </p:txBody>
-      </p:sp>
       <p:pic>
         <p:nvPicPr>
           <p:cNvPr id="3" name="Picture 2">
@@ -9826,7 +9914,7 @@
         </p:blipFill>
         <p:spPr>
           <a:xfrm>
-            <a:off x="128153" y="2447734"/>
+            <a:off x="114631" y="2447891"/>
             <a:ext cx="8866182" cy="3638931"/>
           </a:xfrm>
           <a:prstGeom prst="rect">
@@ -9848,7 +9936,7 @@
         </p:nvSpPr>
         <p:spPr>
           <a:xfrm>
-            <a:off x="-10756" y="2302934"/>
+            <a:off x="-1700" y="2303091"/>
             <a:ext cx="9144000" cy="1825562"/>
           </a:xfrm>
           <a:prstGeom prst="rect">
@@ -9902,7 +9990,7 @@
         </p:nvSpPr>
         <p:spPr>
           <a:xfrm>
-            <a:off x="0" y="4385734"/>
+            <a:off x="-2233" y="4385891"/>
             <a:ext cx="9144000" cy="1825562"/>
           </a:xfrm>
           <a:prstGeom prst="rect">
@@ -9955,7 +10043,7 @@
 </p:sld>
 </file>
 
-<file path=ppt/slides/slide24.xml><?xml version="1.0" encoding="utf-8"?>
+<file path=ppt/slides/slide25.xml><?xml version="1.0" encoding="utf-8"?>
 <p:sld xmlns:a="http://schemas.openxmlformats.org/drawingml/2006/main" xmlns:r="http://schemas.openxmlformats.org/officeDocument/2006/relationships" xmlns:p="http://schemas.openxmlformats.org/presentationml/2006/main">
   <p:cSld>
     <p:spTree>
@@ -10493,7 +10581,11 @@
             </a:pPr>
             <a:r>
               <a:rPr lang="en-GB" dirty="0"/>
-              <a:t>JSON is used everywhere</a:t>
+              <a:t>JSON is used </a:t>
+            </a:r>
+            <a:r>
+              <a:rPr lang="en-GB" i="1" dirty="0"/>
+              <a:t>EVERYWHERE</a:t>
             </a:r>
           </a:p>
           <a:p>
@@ -10502,11 +10594,11 @@
             </a:pPr>
             <a:r>
               <a:rPr lang="en-GB" dirty="0"/>
-              <a:t>Particular for transferring data with web services !</a:t>
-            </a:r>
-          </a:p>
-          <a:p>
-            <a:endParaRPr lang="en-GB" dirty="0"/>
+              <a:t>Particular for transferring data to/from web services</a:t>
+            </a:r>
+          </a:p>
+          <a:p>
+            <a:endParaRPr lang="en-GB" sz="1400" dirty="0"/>
           </a:p>
           <a:p>
             <a:pPr marL="0" indent="0">
@@ -11102,7 +11194,7 @@
           <a:p>
             <a:r>
               <a:rPr lang="en-GB" dirty="0"/>
-              <a:t>Various parsers are already exist to do this for us</a:t>
+              <a:t>Various parsers already exist to do this for us</a:t>
             </a:r>
           </a:p>
           <a:p>
@@ -11115,12 +11207,24 @@
             <a:endParaRPr lang="en-GB" dirty="0"/>
           </a:p>
           <a:p>
+            <a:pPr marL="0" indent="0">
+              <a:buNone/>
+            </a:pPr>
             <a:r>
               <a:rPr lang="en-GB" dirty="0"/>
               <a:t>Note: Parsing is not the end of the story though</a:t>
             </a:r>
           </a:p>
           <a:p>
+            <a:pPr marL="0" indent="0">
+              <a:buNone/>
+            </a:pPr>
+            <a:endParaRPr lang="en-GB" sz="1200" dirty="0"/>
+          </a:p>
+          <a:p>
+            <a:pPr marL="0" indent="0">
+              <a:buNone/>
+            </a:pPr>
             <a:r>
               <a:rPr lang="en-GB" dirty="0"/>
               <a:t>We have to interrogate the created objects to extract data that we need for our application</a:t>

--- a/Lecture Slides/16 Spring JSON.pptx
+++ b/Lecture Slides/16 Spring JSON.pptx
@@ -236,7 +236,7 @@
             <a:fld id="{2B92EF69-4580-D948-9358-37D6C6E355D3}" type="datetimeFigureOut">
               <a:rPr lang="en-US" smtClean="0"/>
               <a:pPr/>
-              <a:t>11/28/2018</a:t>
+              <a:t>12/2/2018</a:t>
             </a:fld>
             <a:endParaRPr lang="en-US"/>
           </a:p>
@@ -404,7 +404,7 @@
             <a:fld id="{A2AF659B-3BFD-7C4F-8593-16CDDE7417A4}" type="datetimeFigureOut">
               <a:rPr lang="en-US" smtClean="0"/>
               <a:pPr/>
-              <a:t>11/28/2018</a:t>
+              <a:t>12/2/2018</a:t>
             </a:fld>
             <a:endParaRPr lang="en-US"/>
           </a:p>
@@ -6520,8 +6520,8 @@
         </p:blipFill>
         <p:spPr>
           <a:xfrm>
-            <a:off x="63322" y="2515353"/>
-            <a:ext cx="9017356" cy="3540557"/>
+            <a:off x="71369" y="2572503"/>
+            <a:ext cx="8932681" cy="3540557"/>
           </a:xfrm>
           <a:prstGeom prst="rect">
             <a:avLst/>
